--- a/docs_balaclava/Presentacion.pptx
+++ b/docs_balaclava/Presentacion.pptx
@@ -5,15 +5,22 @@
     <p:sldMasterId id="2147483648" r:id="rId1"/>
   </p:sldMasterIdLst>
   <p:sldIdLst>
-    <p:sldId id="256" r:id="rId2"/>
-    <p:sldId id="257" r:id="rId3"/>
-    <p:sldId id="258" r:id="rId4"/>
-    <p:sldId id="259" r:id="rId5"/>
-    <p:sldId id="260" r:id="rId6"/>
-    <p:sldId id="261" r:id="rId7"/>
-    <p:sldId id="262" r:id="rId8"/>
-    <p:sldId id="263" r:id="rId9"/>
-    <p:sldId id="264" r:id="rId10"/>
+    <p:sldId id="271" r:id="rId2"/>
+    <p:sldId id="265" r:id="rId3"/>
+    <p:sldId id="266" r:id="rId4"/>
+    <p:sldId id="267" r:id="rId5"/>
+    <p:sldId id="268" r:id="rId6"/>
+    <p:sldId id="269" r:id="rId7"/>
+    <p:sldId id="270" r:id="rId8"/>
+    <p:sldId id="256" r:id="rId9"/>
+    <p:sldId id="257" r:id="rId10"/>
+    <p:sldId id="258" r:id="rId11"/>
+    <p:sldId id="259" r:id="rId12"/>
+    <p:sldId id="260" r:id="rId13"/>
+    <p:sldId id="261" r:id="rId14"/>
+    <p:sldId id="262" r:id="rId15"/>
+    <p:sldId id="263" r:id="rId16"/>
+    <p:sldId id="264" r:id="rId17"/>
   </p:sldIdLst>
   <p:sldSz cx="12192000" cy="6858000"/>
   <p:notesSz cx="6858000" cy="9144000"/>
@@ -112,6 +119,11 @@
       </a:defRPr>
     </a:lvl9pPr>
   </p:defaultTextStyle>
+  <p:extLst>
+    <p:ext uri="{EFAFB233-063F-42B5-8137-9DF3F51BA10A}">
+      <p15:sldGuideLst xmlns:p15="http://schemas.microsoft.com/office/powerpoint/2012/main"/>
+    </p:ext>
+  </p:extLst>
 </p:presentation>
 </file>
 
@@ -210,7 +222,7 @@
           <a:effectLst/>
           <a:extLst>
             <a:ext uri="{91240B29-F687-4f45-9708-019B960494DF}">
-              <a14:hiddenLine xmlns:a14="http://schemas.microsoft.com/office/drawing/2010/main" xmlns="" w="9525">
+              <a14:hiddenLine xmlns="" xmlns:a14="http://schemas.microsoft.com/office/drawing/2010/main" w="9525">
                 <a:solidFill>
                   <a:srgbClr val="000000"/>
                 </a:solidFill>
@@ -1720,7 +1732,7 @@
           <a:ln/>
           <a:extLst>
             <a:ext uri="{91240B29-F687-4f45-9708-019B960494DF}">
-              <a14:hiddenLine xmlns:a14="http://schemas.microsoft.com/office/drawing/2010/main" xmlns="" w="9525">
+              <a14:hiddenLine xmlns="" xmlns:a14="http://schemas.microsoft.com/office/drawing/2010/main" w="9525">
                 <a:solidFill>
                   <a:srgbClr val="000000"/>
                 </a:solidFill>
@@ -1992,7 +2004,7 @@
           <a:ln/>
           <a:extLst>
             <a:ext uri="{91240B29-F687-4f45-9708-019B960494DF}">
-              <a14:hiddenLine xmlns:a14="http://schemas.microsoft.com/office/drawing/2010/main" xmlns="" w="9525">
+              <a14:hiddenLine xmlns="" xmlns:a14="http://schemas.microsoft.com/office/drawing/2010/main" w="9525">
                 <a:solidFill>
                   <a:srgbClr val="000000"/>
                 </a:solidFill>
@@ -2272,7 +2284,7 @@
           <a:ln/>
           <a:extLst>
             <a:ext uri="{91240B29-F687-4f45-9708-019B960494DF}">
-              <a14:hiddenLine xmlns:a14="http://schemas.microsoft.com/office/drawing/2010/main" xmlns="" w="9525">
+              <a14:hiddenLine xmlns="" xmlns:a14="http://schemas.microsoft.com/office/drawing/2010/main" w="9525">
                 <a:solidFill>
                   <a:srgbClr val="000000"/>
                 </a:solidFill>
@@ -2892,7 +2904,7 @@
           <a:ln/>
           <a:extLst>
             <a:ext uri="{91240B29-F687-4f45-9708-019B960494DF}">
-              <a14:hiddenLine xmlns:a14="http://schemas.microsoft.com/office/drawing/2010/main" xmlns="" w="9525">
+              <a14:hiddenLine xmlns="" xmlns:a14="http://schemas.microsoft.com/office/drawing/2010/main" w="9525">
                 <a:solidFill>
                   <a:srgbClr val="000000"/>
                 </a:solidFill>
@@ -3228,7 +3240,7 @@
           <a:ln/>
           <a:extLst>
             <a:ext uri="{91240B29-F687-4f45-9708-019B960494DF}">
-              <a14:hiddenLine xmlns:a14="http://schemas.microsoft.com/office/drawing/2010/main" xmlns="" w="9525">
+              <a14:hiddenLine xmlns="" xmlns:a14="http://schemas.microsoft.com/office/drawing/2010/main" w="9525">
                 <a:solidFill>
                   <a:srgbClr val="000000"/>
                 </a:solidFill>
@@ -3702,7 +3714,7 @@
           <a:ln/>
           <a:extLst>
             <a:ext uri="{91240B29-F687-4f45-9708-019B960494DF}">
-              <a14:hiddenLine xmlns:a14="http://schemas.microsoft.com/office/drawing/2010/main" xmlns="" w="9525">
+              <a14:hiddenLine xmlns="" xmlns:a14="http://schemas.microsoft.com/office/drawing/2010/main" w="9525">
                 <a:solidFill>
                   <a:srgbClr val="000000"/>
                 </a:solidFill>
@@ -4125,7 +4137,7 @@
           <a:ln/>
           <a:extLst>
             <a:ext uri="{91240B29-F687-4f45-9708-019B960494DF}">
-              <a14:hiddenLine xmlns:a14="http://schemas.microsoft.com/office/drawing/2010/main" xmlns="" w="9525">
+              <a14:hiddenLine xmlns="" xmlns:a14="http://schemas.microsoft.com/office/drawing/2010/main" w="9525">
                 <a:solidFill>
                   <a:srgbClr val="000000"/>
                 </a:solidFill>
@@ -5334,14 +5346,6 @@
 <file path=ppt/slides/slide1.xml><?xml version="1.0" encoding="utf-8"?>
 <p:sld xmlns:a="http://schemas.openxmlformats.org/drawingml/2006/main" xmlns:r="http://schemas.openxmlformats.org/officeDocument/2006/relationships" xmlns:p="http://schemas.openxmlformats.org/presentationml/2006/main">
   <p:cSld>
-    <p:bg>
-      <p:bgPr>
-        <a:solidFill>
-          <a:schemeClr val="bg1"/>
-        </a:solidFill>
-        <a:effectLst/>
-      </p:bgPr>
-    </p:bg>
     <p:spTree>
       <p:nvGrpSpPr>
         <p:cNvPr id="1" name=""/>
@@ -5358,268 +5362,39 @@
       </p:grpSpPr>
       <p:sp>
         <p:nvSpPr>
-          <p:cNvPr id="71" name="Freeform: Shape 70">
+          <p:cNvPr id="2" name="Título 1">
             <a:extLst>
               <a:ext uri="{FF2B5EF4-FFF2-40B4-BE49-F238E27FC236}">
-                <a16:creationId xmlns:a16="http://schemas.microsoft.com/office/drawing/2014/main" id="{9610F818-219E-491F-887F-B078103BA2B4}"/>
-              </a:ext>
-              <a:ext uri="{C183D7F6-B498-43B3-948B-1728B52AA6E4}">
-                <adec:decorative xmlns:adec="http://schemas.microsoft.com/office/drawing/2017/decorative" val="1"/>
+                <a16:creationId xmlns:a16="http://schemas.microsoft.com/office/drawing/2014/main" id="{4A541A31-F64B-4408-8B7D-0E44C9EC2953}"/>
               </a:ext>
             </a:extLst>
           </p:cNvPr>
           <p:cNvSpPr>
-            <a:spLocks noGrp="1" noRot="1" noChangeAspect="1" noMove="1" noResize="1" noEditPoints="1" noAdjustHandles="1" noChangeArrowheads="1" noChangeShapeType="1" noTextEdit="1"/>
-          </p:cNvSpPr>
-          <p:nvPr>
-            <p:extLst>
-              <p:ext uri="{386F3935-93C4-4BCD-93E2-E3B085C9AB24}">
-                <p16:designElem xmlns:p16="http://schemas.microsoft.com/office/powerpoint/2015/main" val="1"/>
-              </p:ext>
-            </p:extLst>
-          </p:nvPr>
-        </p:nvSpPr>
-        <p:spPr>
-          <a:xfrm>
-            <a:off x="-2" y="3739895"/>
-            <a:ext cx="12192000" cy="3118104"/>
-          </a:xfrm>
-          <a:custGeom>
-            <a:avLst/>
-            <a:gdLst>
-              <a:gd name="connsiteX0" fmla="*/ 0 w 12192000"/>
-              <a:gd name="connsiteY0" fmla="*/ 0 h 3118104"/>
-              <a:gd name="connsiteX1" fmla="*/ 3676329 w 12192000"/>
-              <a:gd name="connsiteY1" fmla="*/ 0 h 3118104"/>
-              <a:gd name="connsiteX2" fmla="*/ 5595257 w 12192000"/>
-              <a:gd name="connsiteY2" fmla="*/ 0 h 3118104"/>
-              <a:gd name="connsiteX3" fmla="*/ 5672349 w 12192000"/>
-              <a:gd name="connsiteY3" fmla="*/ 0 h 3118104"/>
-              <a:gd name="connsiteX4" fmla="*/ 6053347 w 12192000"/>
-              <a:gd name="connsiteY4" fmla="*/ 263783 h 3118104"/>
-              <a:gd name="connsiteX5" fmla="*/ 6061813 w 12192000"/>
-              <a:gd name="connsiteY5" fmla="*/ 266713 h 3118104"/>
-              <a:gd name="connsiteX6" fmla="*/ 6074513 w 12192000"/>
-              <a:gd name="connsiteY6" fmla="*/ 271110 h 3118104"/>
-              <a:gd name="connsiteX7" fmla="*/ 6087212 w 12192000"/>
-              <a:gd name="connsiteY7" fmla="*/ 275506 h 3118104"/>
-              <a:gd name="connsiteX8" fmla="*/ 6097797 w 12192000"/>
-              <a:gd name="connsiteY8" fmla="*/ 275506 h 3118104"/>
-              <a:gd name="connsiteX9" fmla="*/ 6110496 w 12192000"/>
-              <a:gd name="connsiteY9" fmla="*/ 275506 h 3118104"/>
-              <a:gd name="connsiteX10" fmla="*/ 6121079 w 12192000"/>
-              <a:gd name="connsiteY10" fmla="*/ 271110 h 3118104"/>
-              <a:gd name="connsiteX11" fmla="*/ 6133779 w 12192000"/>
-              <a:gd name="connsiteY11" fmla="*/ 266713 h 3118104"/>
-              <a:gd name="connsiteX12" fmla="*/ 6142246 w 12192000"/>
-              <a:gd name="connsiteY12" fmla="*/ 263783 h 3118104"/>
-              <a:gd name="connsiteX13" fmla="*/ 6523247 w 12192000"/>
-              <a:gd name="connsiteY13" fmla="*/ 0 h 3118104"/>
-              <a:gd name="connsiteX14" fmla="*/ 6596743 w 12192000"/>
-              <a:gd name="connsiteY14" fmla="*/ 0 h 3118104"/>
-              <a:gd name="connsiteX15" fmla="*/ 12186115 w 12192000"/>
-              <a:gd name="connsiteY15" fmla="*/ 0 h 3118104"/>
-              <a:gd name="connsiteX16" fmla="*/ 12192000 w 12192000"/>
-              <a:gd name="connsiteY16" fmla="*/ 0 h 3118104"/>
-              <a:gd name="connsiteX17" fmla="*/ 12192000 w 12192000"/>
-              <a:gd name="connsiteY17" fmla="*/ 3118104 h 3118104"/>
-              <a:gd name="connsiteX18" fmla="*/ 7728858 w 12192000"/>
-              <a:gd name="connsiteY18" fmla="*/ 3118104 h 3118104"/>
-              <a:gd name="connsiteX19" fmla="*/ 6596743 w 12192000"/>
-              <a:gd name="connsiteY19" fmla="*/ 3118104 h 3118104"/>
-              <a:gd name="connsiteX20" fmla="*/ 5595257 w 12192000"/>
-              <a:gd name="connsiteY20" fmla="*/ 3118104 h 3118104"/>
-              <a:gd name="connsiteX21" fmla="*/ 2906487 w 12192000"/>
-              <a:gd name="connsiteY21" fmla="*/ 3118104 h 3118104"/>
-              <a:gd name="connsiteX22" fmla="*/ 0 w 12192000"/>
-              <a:gd name="connsiteY22" fmla="*/ 3118104 h 3118104"/>
-            </a:gdLst>
-            <a:ahLst/>
-            <a:cxnLst>
-              <a:cxn ang="0">
-                <a:pos x="connsiteX0" y="connsiteY0"/>
-              </a:cxn>
-              <a:cxn ang="0">
-                <a:pos x="connsiteX1" y="connsiteY1"/>
-              </a:cxn>
-              <a:cxn ang="0">
-                <a:pos x="connsiteX2" y="connsiteY2"/>
-              </a:cxn>
-              <a:cxn ang="0">
-                <a:pos x="connsiteX3" y="connsiteY3"/>
-              </a:cxn>
-              <a:cxn ang="0">
-                <a:pos x="connsiteX4" y="connsiteY4"/>
-              </a:cxn>
-              <a:cxn ang="0">
-                <a:pos x="connsiteX5" y="connsiteY5"/>
-              </a:cxn>
-              <a:cxn ang="0">
-                <a:pos x="connsiteX6" y="connsiteY6"/>
-              </a:cxn>
-              <a:cxn ang="0">
-                <a:pos x="connsiteX7" y="connsiteY7"/>
-              </a:cxn>
-              <a:cxn ang="0">
-                <a:pos x="connsiteX8" y="connsiteY8"/>
-              </a:cxn>
-              <a:cxn ang="0">
-                <a:pos x="connsiteX9" y="connsiteY9"/>
-              </a:cxn>
-              <a:cxn ang="0">
-                <a:pos x="connsiteX10" y="connsiteY10"/>
-              </a:cxn>
-              <a:cxn ang="0">
-                <a:pos x="connsiteX11" y="connsiteY11"/>
-              </a:cxn>
-              <a:cxn ang="0">
-                <a:pos x="connsiteX12" y="connsiteY12"/>
-              </a:cxn>
-              <a:cxn ang="0">
-                <a:pos x="connsiteX13" y="connsiteY13"/>
-              </a:cxn>
-              <a:cxn ang="0">
-                <a:pos x="connsiteX14" y="connsiteY14"/>
-              </a:cxn>
-              <a:cxn ang="0">
-                <a:pos x="connsiteX15" y="connsiteY15"/>
-              </a:cxn>
-              <a:cxn ang="0">
-                <a:pos x="connsiteX16" y="connsiteY16"/>
-              </a:cxn>
-              <a:cxn ang="0">
-                <a:pos x="connsiteX17" y="connsiteY17"/>
-              </a:cxn>
-              <a:cxn ang="0">
-                <a:pos x="connsiteX18" y="connsiteY18"/>
-              </a:cxn>
-              <a:cxn ang="0">
-                <a:pos x="connsiteX19" y="connsiteY19"/>
-              </a:cxn>
-              <a:cxn ang="0">
-                <a:pos x="connsiteX20" y="connsiteY20"/>
-              </a:cxn>
-              <a:cxn ang="0">
-                <a:pos x="connsiteX21" y="connsiteY21"/>
-              </a:cxn>
-              <a:cxn ang="0">
-                <a:pos x="connsiteX22" y="connsiteY22"/>
-              </a:cxn>
-            </a:cxnLst>
-            <a:rect l="l" t="t" r="r" b="b"/>
-            <a:pathLst>
-              <a:path w="12192000" h="3118104">
-                <a:moveTo>
-                  <a:pt x="0" y="0"/>
-                </a:moveTo>
-                <a:lnTo>
-                  <a:pt x="3676329" y="0"/>
-                </a:lnTo>
-                <a:lnTo>
-                  <a:pt x="5595257" y="0"/>
-                </a:lnTo>
-                <a:lnTo>
-                  <a:pt x="5672349" y="0"/>
-                </a:lnTo>
-                <a:lnTo>
-                  <a:pt x="6053347" y="263783"/>
-                </a:lnTo>
-                <a:lnTo>
-                  <a:pt x="6061813" y="266713"/>
-                </a:lnTo>
-                <a:lnTo>
-                  <a:pt x="6074513" y="271110"/>
-                </a:lnTo>
-                <a:lnTo>
-                  <a:pt x="6087212" y="275506"/>
-                </a:lnTo>
-                <a:lnTo>
-                  <a:pt x="6097797" y="275506"/>
-                </a:lnTo>
-                <a:lnTo>
-                  <a:pt x="6110496" y="275506"/>
-                </a:lnTo>
-                <a:lnTo>
-                  <a:pt x="6121079" y="271110"/>
-                </a:lnTo>
-                <a:lnTo>
-                  <a:pt x="6133779" y="266713"/>
-                </a:lnTo>
-                <a:lnTo>
-                  <a:pt x="6142246" y="263783"/>
-                </a:lnTo>
-                <a:lnTo>
-                  <a:pt x="6523247" y="0"/>
-                </a:lnTo>
-                <a:lnTo>
-                  <a:pt x="6596743" y="0"/>
-                </a:lnTo>
-                <a:lnTo>
-                  <a:pt x="12186115" y="0"/>
-                </a:lnTo>
-                <a:lnTo>
-                  <a:pt x="12192000" y="0"/>
-                </a:lnTo>
-                <a:lnTo>
-                  <a:pt x="12192000" y="3118104"/>
-                </a:lnTo>
-                <a:lnTo>
-                  <a:pt x="7728858" y="3118104"/>
-                </a:lnTo>
-                <a:lnTo>
-                  <a:pt x="6596743" y="3118104"/>
-                </a:lnTo>
-                <a:lnTo>
-                  <a:pt x="5595257" y="3118104"/>
-                </a:lnTo>
-                <a:lnTo>
-                  <a:pt x="2906487" y="3118104"/>
-                </a:lnTo>
-                <a:lnTo>
-                  <a:pt x="0" y="3118104"/>
-                </a:lnTo>
-                <a:close/>
-              </a:path>
-            </a:pathLst>
-          </a:custGeom>
-          <a:solidFill>
-            <a:srgbClr val="212121"/>
-          </a:solidFill>
-          <a:ln>
-            <a:noFill/>
-          </a:ln>
-        </p:spPr>
-        <p:style>
-          <a:lnRef idx="2">
-            <a:schemeClr val="accent1">
-              <a:shade val="50000"/>
-            </a:schemeClr>
-          </a:lnRef>
-          <a:fillRef idx="1">
-            <a:schemeClr val="accent1"/>
-          </a:fillRef>
-          <a:effectRef idx="0">
-            <a:schemeClr val="accent1"/>
-          </a:effectRef>
-          <a:fontRef idx="minor">
-            <a:schemeClr val="lt1"/>
-          </a:fontRef>
-        </p:style>
-        <p:txBody>
-          <a:bodyPr rtlCol="0" anchor="ctr"/>
+            <a:spLocks noGrp="1"/>
+          </p:cNvSpPr>
+          <p:nvPr>
+            <p:ph type="ctrTitle"/>
+          </p:nvPr>
+        </p:nvSpPr>
+        <p:spPr/>
+        <p:txBody>
+          <a:bodyPr/>
           <a:lstStyle/>
           <a:p>
-            <a:pPr algn="ctr"/>
-            <a:endParaRPr lang="en-US"/>
-          </a:p>
-        </p:txBody>
-      </p:sp>
-      <p:sp>
-        <p:nvSpPr>
-          <p:cNvPr id="2" name="Título 1">
+            <a:r>
+              <a:rPr lang="es-ES" dirty="0" err="1"/>
+              <a:t>Balaclava</a:t>
+            </a:r>
+            <a:endParaRPr lang="es-ES" dirty="0"/>
+          </a:p>
+        </p:txBody>
+      </p:sp>
+      <p:sp>
+        <p:nvSpPr>
+          <p:cNvPr id="3" name="Subtítulo 2">
             <a:extLst>
               <a:ext uri="{FF2B5EF4-FFF2-40B4-BE49-F238E27FC236}">
-                <a16:creationId xmlns:a16="http://schemas.microsoft.com/office/drawing/2014/main" id="{A21792DE-C706-489A-914E-FA40B497BC84}"/>
+                <a16:creationId xmlns:a16="http://schemas.microsoft.com/office/drawing/2014/main" id="{8E8A5E27-A594-443C-A3B8-CF6DDCFD8B10}"/>
               </a:ext>
             </a:extLst>
           </p:cNvPr>
@@ -5627,300 +5402,45 @@
             <a:spLocks noGrp="1"/>
           </p:cNvSpPr>
           <p:nvPr>
-            <p:ph type="ctrTitle"/>
-          </p:nvPr>
-        </p:nvSpPr>
-        <p:spPr>
-          <a:xfrm>
-            <a:off x="810001" y="4080386"/>
-            <a:ext cx="10572000" cy="1388741"/>
-          </a:xfrm>
-        </p:spPr>
-        <p:txBody>
-          <a:bodyPr>
-            <a:normAutofit/>
-          </a:bodyPr>
+            <p:ph type="subTitle" idx="1"/>
+          </p:nvPr>
+        </p:nvSpPr>
+        <p:spPr/>
+        <p:txBody>
+          <a:bodyPr/>
           <a:lstStyle/>
           <a:p>
-            <a:pPr algn="ctr"/>
-            <a:r>
-              <a:rPr lang="es-ES">
-                <a:solidFill>
-                  <a:srgbClr val="FFFFFF"/>
-                </a:solidFill>
-              </a:rPr>
-              <a:t>Manual</a:t>
-            </a:r>
-          </a:p>
-        </p:txBody>
-      </p:sp>
-      <p:sp>
-        <p:nvSpPr>
-          <p:cNvPr id="73" name="Rounded Rectangle 16">
-            <a:extLst>
-              <a:ext uri="{FF2B5EF4-FFF2-40B4-BE49-F238E27FC236}">
-                <a16:creationId xmlns:a16="http://schemas.microsoft.com/office/drawing/2014/main" id="{5A086AAD-1108-41EB-A7C9-5E22CA942EB2}"/>
-              </a:ext>
-              <a:ext uri="{C183D7F6-B498-43B3-948B-1728B52AA6E4}">
-                <adec:decorative xmlns:adec="http://schemas.microsoft.com/office/drawing/2017/decorative" val="1"/>
-              </a:ext>
-            </a:extLst>
-          </p:cNvPr>
-          <p:cNvSpPr>
-            <a:spLocks noGrp="1" noRot="1" noChangeAspect="1" noMove="1" noResize="1" noEditPoints="1" noAdjustHandles="1" noChangeArrowheads="1" noChangeShapeType="1" noTextEdit="1"/>
-          </p:cNvSpPr>
-          <p:nvPr>
-            <p:extLst>
-              <p:ext uri="{386F3935-93C4-4BCD-93E2-E3B085C9AB24}">
-                <p16:designElem xmlns:p16="http://schemas.microsoft.com/office/powerpoint/2015/main" val="1"/>
-              </p:ext>
-            </p:extLst>
-          </p:nvPr>
-        </p:nvSpPr>
-        <p:spPr>
-          <a:xfrm>
-            <a:off x="2210472" y="643464"/>
-            <a:ext cx="7757804" cy="2817491"/>
-          </a:xfrm>
-          <a:prstGeom prst="roundRect">
-            <a:avLst>
-              <a:gd name="adj" fmla="val 3513"/>
-            </a:avLst>
-          </a:prstGeom>
-          <a:solidFill>
-            <a:schemeClr val="bg1"/>
-          </a:solidFill>
-          <a:ln>
-            <a:solidFill>
-              <a:schemeClr val="accent1">
-                <a:lumMod val="75000"/>
-              </a:schemeClr>
-            </a:solidFill>
-          </a:ln>
-          <a:effectLst/>
-        </p:spPr>
-        <p:style>
-          <a:lnRef idx="2">
-            <a:schemeClr val="accent1">
-              <a:shade val="50000"/>
-            </a:schemeClr>
-          </a:lnRef>
-          <a:fillRef idx="1">
-            <a:schemeClr val="accent1"/>
-          </a:fillRef>
-          <a:effectRef idx="0">
-            <a:schemeClr val="accent1"/>
-          </a:effectRef>
-          <a:fontRef idx="minor">
-            <a:schemeClr val="lt1"/>
-          </a:fontRef>
-        </p:style>
-        <p:txBody>
-          <a:bodyPr rtlCol="0" anchor="ctr"/>
-          <a:lstStyle/>
-          <a:p>
-            <a:pPr algn="ctr"/>
-            <a:endParaRPr lang="en-US"/>
-          </a:p>
-        </p:txBody>
-      </p:sp>
-      <p:pic>
-        <p:nvPicPr>
-          <p:cNvPr id="1026" name="Picture 2" descr="Resultado de imagen de world wide web consortium">
-            <a:extLst>
-              <a:ext uri="{FF2B5EF4-FFF2-40B4-BE49-F238E27FC236}">
-                <a16:creationId xmlns:a16="http://schemas.microsoft.com/office/drawing/2014/main" id="{A879CFC0-F96D-4554-B38F-3F6E59C9E2EE}"/>
-              </a:ext>
-            </a:extLst>
-          </p:cNvPr>
-          <p:cNvPicPr>
-            <a:picLocks noChangeAspect="1" noChangeArrowheads="1"/>
-          </p:cNvPicPr>
-          <p:nvPr/>
-        </p:nvPicPr>
-        <p:blipFill>
-          <a:blip r:embed="rId2">
-            <a:extLst>
-              <a:ext uri="{28A0092B-C50C-407E-A947-70E740481C1C}">
-                <a14:useLocalDpi xmlns:a14="http://schemas.microsoft.com/office/drawing/2010/main" val="0"/>
-              </a:ext>
-            </a:extLst>
-          </a:blip>
-          <a:srcRect/>
-          <a:stretch>
-            <a:fillRect/>
-          </a:stretch>
-        </p:blipFill>
-        <p:spPr bwMode="auto">
-          <a:xfrm>
-            <a:off x="4389568" y="884810"/>
-            <a:ext cx="3403672" cy="2320054"/>
-          </a:xfrm>
-          <a:prstGeom prst="rect">
-            <a:avLst/>
-          </a:prstGeom>
-          <a:noFill/>
-          <a:extLst>
-            <a:ext uri="{909E8E84-426E-40DD-AFC4-6F175D3DCCD1}">
-              <a14:hiddenFill xmlns:a14="http://schemas.microsoft.com/office/drawing/2010/main">
-                <a:solidFill>
-                  <a:srgbClr val="FFFFFF"/>
-                </a:solidFill>
-              </a14:hiddenFill>
-            </a:ext>
-          </a:extLst>
-        </p:spPr>
-      </p:pic>
+            <a:r>
+              <a:rPr lang="es-ES" dirty="0" err="1"/>
+              <a:t>Sick</a:t>
+            </a:r>
+            <a:r>
+              <a:rPr lang="es-ES" dirty="0"/>
+              <a:t> </a:t>
+            </a:r>
+            <a:r>
+              <a:rPr lang="es-ES" dirty="0" err="1"/>
+              <a:t>My</a:t>
+            </a:r>
+            <a:r>
+              <a:rPr lang="es-ES" dirty="0"/>
+              <a:t> </a:t>
+            </a:r>
+            <a:r>
+              <a:rPr lang="es-ES" dirty="0" err="1"/>
+              <a:t>Duck</a:t>
+            </a:r>
+            <a:r>
+              <a:rPr lang="es-ES"/>
+              <a:t> Industries INC. </a:t>
+            </a:r>
+          </a:p>
+        </p:txBody>
+      </p:sp>
     </p:spTree>
     <p:extLst>
       <p:ext uri="{BB962C8B-B14F-4D97-AF65-F5344CB8AC3E}">
-        <p14:creationId xmlns:p14="http://schemas.microsoft.com/office/powerpoint/2010/main" val="2266843876"/>
-      </p:ext>
-    </p:extLst>
-  </p:cSld>
-  <p:clrMapOvr>
-    <a:overrideClrMapping bg1="lt1" tx1="dk1" bg2="lt2" tx2="dk2" accent1="accent1" accent2="accent2" accent3="accent3" accent4="accent4" accent5="accent5" accent6="accent6" hlink="hlink" folHlink="folHlink"/>
-  </p:clrMapOvr>
-</p:sld>
-</file>
-
-<file path=ppt/slides/slide2.xml><?xml version="1.0" encoding="utf-8"?>
-<p:sld xmlns:a="http://schemas.openxmlformats.org/drawingml/2006/main" xmlns:r="http://schemas.openxmlformats.org/officeDocument/2006/relationships" xmlns:p="http://schemas.openxmlformats.org/presentationml/2006/main">
-  <p:cSld>
-    <p:bg>
-      <p:bgPr>
-        <a:solidFill>
-          <a:schemeClr val="bg2"/>
-        </a:solidFill>
-        <a:effectLst/>
-      </p:bgPr>
-    </p:bg>
-    <p:spTree>
-      <p:nvGrpSpPr>
-        <p:cNvPr id="1" name=""/>
-        <p:cNvGrpSpPr/>
-        <p:nvPr/>
-      </p:nvGrpSpPr>
-      <p:grpSpPr>
-        <a:xfrm>
-          <a:off x="0" y="0"/>
-          <a:ext cx="0" cy="0"/>
-          <a:chOff x="0" y="0"/>
-          <a:chExt cx="0" cy="0"/>
-        </a:xfrm>
-      </p:grpSpPr>
-      <p:sp>
-        <p:nvSpPr>
-          <p:cNvPr id="2" name="Título 1">
-            <a:extLst>
-              <a:ext uri="{FF2B5EF4-FFF2-40B4-BE49-F238E27FC236}">
-                <a16:creationId xmlns:a16="http://schemas.microsoft.com/office/drawing/2014/main" id="{EC74E62D-0749-4295-B299-A0F8D91B7E18}"/>
-              </a:ext>
-            </a:extLst>
-          </p:cNvPr>
-          <p:cNvSpPr>
-            <a:spLocks noGrp="1"/>
-          </p:cNvSpPr>
-          <p:nvPr>
-            <p:ph type="title"/>
-          </p:nvPr>
-        </p:nvSpPr>
-        <p:spPr>
-          <a:xfrm>
-            <a:off x="810000" y="447188"/>
-            <a:ext cx="10571998" cy="970450"/>
-          </a:xfrm>
-        </p:spPr>
-        <p:txBody>
-          <a:bodyPr>
-            <a:normAutofit fontScale="90000"/>
-          </a:bodyPr>
-          <a:lstStyle/>
-          <a:p>
-            <a:r>
-              <a:rPr lang="es-ES" dirty="0"/>
-              <a:t>Información sobre las entidades bancarias</a:t>
-            </a:r>
-          </a:p>
-        </p:txBody>
-      </p:sp>
-      <p:sp>
-        <p:nvSpPr>
-          <p:cNvPr id="3" name="Marcador de contenido 2">
-            <a:extLst>
-              <a:ext uri="{FF2B5EF4-FFF2-40B4-BE49-F238E27FC236}">
-                <a16:creationId xmlns:a16="http://schemas.microsoft.com/office/drawing/2014/main" id="{985D6D5E-7A6A-4206-BDBB-CEC1294F6AB5}"/>
-              </a:ext>
-            </a:extLst>
-          </p:cNvPr>
-          <p:cNvSpPr>
-            <a:spLocks noGrp="1"/>
-          </p:cNvSpPr>
-          <p:nvPr>
-            <p:ph idx="1"/>
-          </p:nvPr>
-        </p:nvSpPr>
-        <p:spPr>
-          <a:xfrm>
-            <a:off x="818713" y="2413000"/>
-            <a:ext cx="3835583" cy="3632200"/>
-          </a:xfrm>
-        </p:spPr>
-        <p:txBody>
-          <a:bodyPr>
-            <a:normAutofit/>
-          </a:bodyPr>
-          <a:lstStyle/>
-          <a:p>
-            <a:r>
-              <a:rPr lang="es-ES" sz="1600" dirty="0"/>
-              <a:t>Sirve para detectar en que sucursal se encuentra el jugador</a:t>
-            </a:r>
-          </a:p>
-        </p:txBody>
-      </p:sp>
-      <p:pic>
-        <p:nvPicPr>
-          <p:cNvPr id="4" name="Imagen 3">
-            <a:extLst>
-              <a:ext uri="{FF2B5EF4-FFF2-40B4-BE49-F238E27FC236}">
-                <a16:creationId xmlns:a16="http://schemas.microsoft.com/office/drawing/2014/main" id="{AF650195-D217-48F7-8DDB-4AB9D0A2C959}"/>
-              </a:ext>
-            </a:extLst>
-          </p:cNvPr>
-          <p:cNvPicPr>
-            <a:picLocks noChangeAspect="1"/>
-          </p:cNvPicPr>
-          <p:nvPr/>
-        </p:nvPicPr>
-        <p:blipFill>
-          <a:blip r:embed="rId2"/>
-          <a:stretch>
-            <a:fillRect/>
-          </a:stretch>
-        </p:blipFill>
-        <p:spPr>
-          <a:xfrm>
-            <a:off x="5101851" y="2505665"/>
-            <a:ext cx="6277349" cy="3531008"/>
-          </a:xfrm>
-          <a:prstGeom prst="roundRect">
-            <a:avLst>
-              <a:gd name="adj" fmla="val 3876"/>
-            </a:avLst>
-          </a:prstGeom>
-          <a:ln>
-            <a:solidFill>
-              <a:schemeClr val="accent1"/>
-            </a:solidFill>
-          </a:ln>
-          <a:effectLst/>
-        </p:spPr>
-      </p:pic>
-    </p:spTree>
-    <p:extLst>
-      <p:ext uri="{BB962C8B-B14F-4D97-AF65-F5344CB8AC3E}">
-        <p14:creationId xmlns:p14="http://schemas.microsoft.com/office/powerpoint/2010/main" val="2298872158"/>
+        <p14:creationId xmlns:p14="http://schemas.microsoft.com/office/powerpoint/2010/main" val="4235409739"/>
       </p:ext>
     </p:extLst>
   </p:cSld>
@@ -5930,7 +5450,7 @@
 </p:sld>
 </file>
 
-<file path=ppt/slides/slide3.xml><?xml version="1.0" encoding="utf-8"?>
+<file path=ppt/slides/slide10.xml><?xml version="1.0" encoding="utf-8"?>
 <p:sld xmlns:a="http://schemas.openxmlformats.org/drawingml/2006/main" xmlns:r="http://schemas.openxmlformats.org/officeDocument/2006/relationships" xmlns:p="http://schemas.openxmlformats.org/presentationml/2006/main">
   <p:cSld>
     <p:bg>
@@ -6082,7 +5602,7 @@
 </p:sld>
 </file>
 
-<file path=ppt/slides/slide4.xml><?xml version="1.0" encoding="utf-8"?>
+<file path=ppt/slides/slide11.xml><?xml version="1.0" encoding="utf-8"?>
 <p:sld xmlns:a="http://schemas.openxmlformats.org/drawingml/2006/main" xmlns:r="http://schemas.openxmlformats.org/officeDocument/2006/relationships" xmlns:p="http://schemas.openxmlformats.org/presentationml/2006/main">
   <p:cSld>
     <p:bg>
@@ -6202,7 +5722,7 @@
           <a:effectLst/>
           <a:extLst>
             <a:ext uri="{91240B29-F687-4f45-9708-019B960494DF}">
-              <a14:hiddenLine xmlns="" xmlns:a16="http://schemas.microsoft.com/office/drawing/2014/main" xmlns:p14="http://schemas.microsoft.com/office/powerpoint/2010/main" xmlns:a14="http://schemas.microsoft.com/office/drawing/2010/main" w="9525">
+              <a14:hiddenLine xmlns:a14="http://schemas.microsoft.com/office/drawing/2010/main" xmlns:p14="http://schemas.microsoft.com/office/powerpoint/2010/main" xmlns:a16="http://schemas.microsoft.com/office/drawing/2014/main" xmlns="" w="9525">
                 <a:solidFill>
                   <a:srgbClr val="000000"/>
                 </a:solidFill>
@@ -6516,7 +6036,7 @@
 </p:sld>
 </file>
 
-<file path=ppt/slides/slide5.xml><?xml version="1.0" encoding="utf-8"?>
+<file path=ppt/slides/slide12.xml><?xml version="1.0" encoding="utf-8"?>
 <p:sld xmlns:a="http://schemas.openxmlformats.org/drawingml/2006/main" xmlns:r="http://schemas.openxmlformats.org/officeDocument/2006/relationships" xmlns:p="http://schemas.openxmlformats.org/presentationml/2006/main">
   <p:cSld>
     <p:bg>
@@ -6636,7 +6156,7 @@
           <a:effectLst/>
           <a:extLst>
             <a:ext uri="{91240B29-F687-4f45-9708-019B960494DF}">
-              <a14:hiddenLine xmlns="" xmlns:a16="http://schemas.microsoft.com/office/drawing/2014/main" xmlns:p14="http://schemas.microsoft.com/office/powerpoint/2010/main" xmlns:a14="http://schemas.microsoft.com/office/drawing/2010/main" w="9525">
+              <a14:hiddenLine xmlns:a14="http://schemas.microsoft.com/office/drawing/2010/main" xmlns:p14="http://schemas.microsoft.com/office/powerpoint/2010/main" xmlns:a16="http://schemas.microsoft.com/office/drawing/2014/main" xmlns="" w="9525">
                 <a:solidFill>
                   <a:srgbClr val="000000"/>
                 </a:solidFill>
@@ -6948,7 +6468,7 @@
 </p:sld>
 </file>
 
-<file path=ppt/slides/slide6.xml><?xml version="1.0" encoding="utf-8"?>
+<file path=ppt/slides/slide13.xml><?xml version="1.0" encoding="utf-8"?>
 <p:sld xmlns:a="http://schemas.openxmlformats.org/drawingml/2006/main" xmlns:r="http://schemas.openxmlformats.org/officeDocument/2006/relationships" xmlns:p="http://schemas.openxmlformats.org/presentationml/2006/main">
   <p:cSld>
     <p:bg>
@@ -7068,7 +6588,7 @@
           <a:effectLst/>
           <a:extLst>
             <a:ext uri="{91240B29-F687-4f45-9708-019B960494DF}">
-              <a14:hiddenLine xmlns="" xmlns:a16="http://schemas.microsoft.com/office/drawing/2014/main" xmlns:p14="http://schemas.microsoft.com/office/powerpoint/2010/main" xmlns:a14="http://schemas.microsoft.com/office/drawing/2010/main" w="9525">
+              <a14:hiddenLine xmlns:a14="http://schemas.microsoft.com/office/drawing/2010/main" xmlns:p14="http://schemas.microsoft.com/office/powerpoint/2010/main" xmlns:a16="http://schemas.microsoft.com/office/drawing/2014/main" xmlns="" w="9525">
                 <a:solidFill>
                   <a:srgbClr val="000000"/>
                 </a:solidFill>
@@ -7382,7 +6902,7 @@
 </p:sld>
 </file>
 
-<file path=ppt/slides/slide7.xml><?xml version="1.0" encoding="utf-8"?>
+<file path=ppt/slides/slide14.xml><?xml version="1.0" encoding="utf-8"?>
 <p:sld xmlns:a="http://schemas.openxmlformats.org/drawingml/2006/main" xmlns:r="http://schemas.openxmlformats.org/officeDocument/2006/relationships" xmlns:p="http://schemas.openxmlformats.org/presentationml/2006/main">
   <p:cSld>
     <p:bg>
@@ -7502,7 +7022,7 @@
           <a:effectLst/>
           <a:extLst>
             <a:ext uri="{91240B29-F687-4f45-9708-019B960494DF}">
-              <a14:hiddenLine xmlns="" xmlns:a16="http://schemas.microsoft.com/office/drawing/2014/main" xmlns:p14="http://schemas.microsoft.com/office/powerpoint/2010/main" xmlns:a14="http://schemas.microsoft.com/office/drawing/2010/main" w="9525">
+              <a14:hiddenLine xmlns:a14="http://schemas.microsoft.com/office/drawing/2010/main" xmlns:p14="http://schemas.microsoft.com/office/powerpoint/2010/main" xmlns:a16="http://schemas.microsoft.com/office/drawing/2014/main" xmlns="" w="9525">
                 <a:solidFill>
                   <a:srgbClr val="000000"/>
                 </a:solidFill>
@@ -8011,7 +7531,7 @@
 </p:sld>
 </file>
 
-<file path=ppt/slides/slide8.xml><?xml version="1.0" encoding="utf-8"?>
+<file path=ppt/slides/slide15.xml><?xml version="1.0" encoding="utf-8"?>
 <p:sld xmlns:a="http://schemas.openxmlformats.org/drawingml/2006/main" xmlns:r="http://schemas.openxmlformats.org/officeDocument/2006/relationships" xmlns:p="http://schemas.openxmlformats.org/presentationml/2006/main">
   <p:cSld>
     <p:bg>
@@ -8131,7 +7651,7 @@
           <a:effectLst/>
           <a:extLst>
             <a:ext uri="{91240B29-F687-4f45-9708-019B960494DF}">
-              <a14:hiddenLine xmlns="" xmlns:a16="http://schemas.microsoft.com/office/drawing/2014/main" xmlns:p14="http://schemas.microsoft.com/office/powerpoint/2010/main" xmlns:a14="http://schemas.microsoft.com/office/drawing/2010/main" w="9525">
+              <a14:hiddenLine xmlns:a14="http://schemas.microsoft.com/office/drawing/2010/main" xmlns:p14="http://schemas.microsoft.com/office/powerpoint/2010/main" xmlns:a16="http://schemas.microsoft.com/office/drawing/2014/main" xmlns="" w="9525">
                 <a:solidFill>
                   <a:srgbClr val="000000"/>
                 </a:solidFill>
@@ -8644,7 +8164,7 @@
 </p:sld>
 </file>
 
-<file path=ppt/slides/slide9.xml><?xml version="1.0" encoding="utf-8"?>
+<file path=ppt/slides/slide16.xml><?xml version="1.0" encoding="utf-8"?>
 <p:sld xmlns:a="http://schemas.openxmlformats.org/drawingml/2006/main" xmlns:r="http://schemas.openxmlformats.org/officeDocument/2006/relationships" xmlns:p="http://schemas.openxmlformats.org/presentationml/2006/main">
   <p:cSld>
     <p:bg>
@@ -8764,7 +8284,7 @@
           <a:effectLst/>
           <a:extLst>
             <a:ext uri="{91240B29-F687-4f45-9708-019B960494DF}">
-              <a14:hiddenLine xmlns="" xmlns:a16="http://schemas.microsoft.com/office/drawing/2014/main" xmlns:p14="http://schemas.microsoft.com/office/powerpoint/2010/main" xmlns:a14="http://schemas.microsoft.com/office/drawing/2010/main" w="9525">
+              <a14:hiddenLine xmlns:a14="http://schemas.microsoft.com/office/drawing/2010/main" xmlns:p14="http://schemas.microsoft.com/office/powerpoint/2010/main" xmlns:a16="http://schemas.microsoft.com/office/drawing/2014/main" xmlns="" w="9525">
                 <a:solidFill>
                   <a:srgbClr val="000000"/>
                 </a:solidFill>
@@ -9277,6 +8797,1357 @@
 </p:sld>
 </file>
 
+<file path=ppt/slides/slide2.xml><?xml version="1.0" encoding="utf-8"?>
+<p:sld xmlns:a="http://schemas.openxmlformats.org/drawingml/2006/main" xmlns:r="http://schemas.openxmlformats.org/officeDocument/2006/relationships" xmlns:p="http://schemas.openxmlformats.org/presentationml/2006/main">
+  <p:cSld>
+    <p:spTree>
+      <p:nvGrpSpPr>
+        <p:cNvPr id="1" name=""/>
+        <p:cNvGrpSpPr/>
+        <p:nvPr/>
+      </p:nvGrpSpPr>
+      <p:grpSpPr>
+        <a:xfrm>
+          <a:off x="0" y="0"/>
+          <a:ext cx="0" cy="0"/>
+          <a:chOff x="0" y="0"/>
+          <a:chExt cx="0" cy="0"/>
+        </a:xfrm>
+      </p:grpSpPr>
+      <p:sp>
+        <p:nvSpPr>
+          <p:cNvPr id="2" name="Título 1">
+            <a:extLst>
+              <a:ext uri="{FF2B5EF4-FFF2-40B4-BE49-F238E27FC236}">
+                <a16:creationId xmlns:a16="http://schemas.microsoft.com/office/drawing/2014/main" id="{B2128F84-4686-4849-80D1-B0366077358D}"/>
+              </a:ext>
+            </a:extLst>
+          </p:cNvPr>
+          <p:cNvSpPr>
+            <a:spLocks noGrp="1"/>
+          </p:cNvSpPr>
+          <p:nvPr>
+            <p:ph type="title"/>
+          </p:nvPr>
+        </p:nvSpPr>
+        <p:spPr/>
+        <p:txBody>
+          <a:bodyPr/>
+          <a:lstStyle/>
+          <a:p>
+            <a:r>
+              <a:rPr lang="es-ES" dirty="0"/>
+              <a:t>Concepto del juego</a:t>
+            </a:r>
+          </a:p>
+        </p:txBody>
+      </p:sp>
+      <p:sp>
+        <p:nvSpPr>
+          <p:cNvPr id="3" name="Marcador de contenido 2">
+            <a:extLst>
+              <a:ext uri="{FF2B5EF4-FFF2-40B4-BE49-F238E27FC236}">
+                <a16:creationId xmlns:a16="http://schemas.microsoft.com/office/drawing/2014/main" id="{4E9270E3-0499-4909-BF4B-680597AB3664}"/>
+              </a:ext>
+            </a:extLst>
+          </p:cNvPr>
+          <p:cNvSpPr>
+            <a:spLocks noGrp="1"/>
+          </p:cNvSpPr>
+          <p:nvPr>
+            <p:ph idx="1"/>
+          </p:nvPr>
+        </p:nvSpPr>
+        <p:spPr/>
+        <p:txBody>
+          <a:bodyPr/>
+          <a:lstStyle/>
+          <a:p>
+            <a:r>
+              <a:rPr lang="es-ES" dirty="0"/>
+              <a:t>Videojuego para navegador de puzles para dos jugadores </a:t>
+            </a:r>
+          </a:p>
+          <a:p>
+            <a:r>
+              <a:rPr lang="es-ES" dirty="0"/>
+              <a:t>Robar un banco de forma cooperativa</a:t>
+            </a:r>
+          </a:p>
+          <a:p>
+            <a:r>
+              <a:rPr lang="es-ES" dirty="0"/>
+              <a:t>Un jugador tiene acceso a las sucursales del banco</a:t>
+            </a:r>
+          </a:p>
+          <a:p>
+            <a:r>
+              <a:rPr lang="es-ES" dirty="0"/>
+              <a:t>Un jugador consulta un manual y orienta al otro jugador</a:t>
+            </a:r>
+          </a:p>
+        </p:txBody>
+      </p:sp>
+    </p:spTree>
+    <p:extLst>
+      <p:ext uri="{BB962C8B-B14F-4D97-AF65-F5344CB8AC3E}">
+        <p14:creationId xmlns:p14="http://schemas.microsoft.com/office/powerpoint/2010/main" val="1005012977"/>
+      </p:ext>
+    </p:extLst>
+  </p:cSld>
+  <p:clrMapOvr>
+    <a:masterClrMapping/>
+  </p:clrMapOvr>
+</p:sld>
+</file>
+
+<file path=ppt/slides/slide3.xml><?xml version="1.0" encoding="utf-8"?>
+<p:sld xmlns:a="http://schemas.openxmlformats.org/drawingml/2006/main" xmlns:r="http://schemas.openxmlformats.org/officeDocument/2006/relationships" xmlns:p="http://schemas.openxmlformats.org/presentationml/2006/main">
+  <p:cSld>
+    <p:spTree>
+      <p:nvGrpSpPr>
+        <p:cNvPr id="1" name=""/>
+        <p:cNvGrpSpPr/>
+        <p:nvPr/>
+      </p:nvGrpSpPr>
+      <p:grpSpPr>
+        <a:xfrm>
+          <a:off x="0" y="0"/>
+          <a:ext cx="0" cy="0"/>
+          <a:chOff x="0" y="0"/>
+          <a:chExt cx="0" cy="0"/>
+        </a:xfrm>
+      </p:grpSpPr>
+      <p:sp>
+        <p:nvSpPr>
+          <p:cNvPr id="2" name="Título 1">
+            <a:extLst>
+              <a:ext uri="{FF2B5EF4-FFF2-40B4-BE49-F238E27FC236}">
+                <a16:creationId xmlns:a16="http://schemas.microsoft.com/office/drawing/2014/main" id="{5470F220-4C32-4672-951E-47C03ED09A92}"/>
+              </a:ext>
+            </a:extLst>
+          </p:cNvPr>
+          <p:cNvSpPr>
+            <a:spLocks noGrp="1"/>
+          </p:cNvSpPr>
+          <p:nvPr>
+            <p:ph type="title"/>
+          </p:nvPr>
+        </p:nvSpPr>
+        <p:spPr/>
+        <p:txBody>
+          <a:bodyPr/>
+          <a:lstStyle/>
+          <a:p>
+            <a:r>
+              <a:rPr lang="es-ES" dirty="0"/>
+              <a:t>Concepto del juego</a:t>
+            </a:r>
+          </a:p>
+        </p:txBody>
+      </p:sp>
+      <p:sp>
+        <p:nvSpPr>
+          <p:cNvPr id="3" name="Marcador de contenido 2">
+            <a:extLst>
+              <a:ext uri="{FF2B5EF4-FFF2-40B4-BE49-F238E27FC236}">
+                <a16:creationId xmlns:a16="http://schemas.microsoft.com/office/drawing/2014/main" id="{6E927F94-642F-4807-9988-F73083F987FD}"/>
+              </a:ext>
+            </a:extLst>
+          </p:cNvPr>
+          <p:cNvSpPr>
+            <a:spLocks noGrp="1"/>
+          </p:cNvSpPr>
+          <p:nvPr>
+            <p:ph idx="1"/>
+          </p:nvPr>
+        </p:nvSpPr>
+        <p:spPr/>
+        <p:txBody>
+          <a:bodyPr/>
+          <a:lstStyle/>
+          <a:p>
+            <a:r>
+              <a:rPr lang="es-ES" dirty="0"/>
+              <a:t>El objetivo es abrir todas las cajas fuertes de la sucursal</a:t>
+            </a:r>
+          </a:p>
+          <a:p>
+            <a:r>
+              <a:rPr lang="es-ES" dirty="0"/>
+              <a:t>Para ello hay que avanzar por el mapa abriendo puertas y esquivando láseres, cámaras de seguridad y personal de vigilancia</a:t>
+            </a:r>
+          </a:p>
+          <a:p>
+            <a:r>
+              <a:rPr lang="es-ES" dirty="0"/>
+              <a:t>El jugador que entra en la sucursal no tiene información sobre los puzles a los que se expone</a:t>
+            </a:r>
+          </a:p>
+          <a:p>
+            <a:r>
+              <a:rPr lang="es-ES" dirty="0"/>
+              <a:t>El jugador que consulta el manual posee toda la información pero no tiene visión sobre el mapa</a:t>
+            </a:r>
+          </a:p>
+          <a:p>
+            <a:endParaRPr lang="es-ES" dirty="0"/>
+          </a:p>
+        </p:txBody>
+      </p:sp>
+    </p:spTree>
+    <p:extLst>
+      <p:ext uri="{BB962C8B-B14F-4D97-AF65-F5344CB8AC3E}">
+        <p14:creationId xmlns:p14="http://schemas.microsoft.com/office/powerpoint/2010/main" val="1835289640"/>
+      </p:ext>
+    </p:extLst>
+  </p:cSld>
+  <p:clrMapOvr>
+    <a:masterClrMapping/>
+  </p:clrMapOvr>
+</p:sld>
+</file>
+
+<file path=ppt/slides/slide4.xml><?xml version="1.0" encoding="utf-8"?>
+<p:sld xmlns:a="http://schemas.openxmlformats.org/drawingml/2006/main" xmlns:r="http://schemas.openxmlformats.org/officeDocument/2006/relationships" xmlns:p="http://schemas.openxmlformats.org/presentationml/2006/main">
+  <p:cSld>
+    <p:spTree>
+      <p:nvGrpSpPr>
+        <p:cNvPr id="1" name=""/>
+        <p:cNvGrpSpPr/>
+        <p:nvPr/>
+      </p:nvGrpSpPr>
+      <p:grpSpPr>
+        <a:xfrm>
+          <a:off x="0" y="0"/>
+          <a:ext cx="0" cy="0"/>
+          <a:chOff x="0" y="0"/>
+          <a:chExt cx="0" cy="0"/>
+        </a:xfrm>
+      </p:grpSpPr>
+      <p:sp>
+        <p:nvSpPr>
+          <p:cNvPr id="2" name="Título 1">
+            <a:extLst>
+              <a:ext uri="{FF2B5EF4-FFF2-40B4-BE49-F238E27FC236}">
+                <a16:creationId xmlns:a16="http://schemas.microsoft.com/office/drawing/2014/main" id="{4D04D9DE-ADF0-47FE-A3DF-AF0D17EDCBEA}"/>
+              </a:ext>
+            </a:extLst>
+          </p:cNvPr>
+          <p:cNvSpPr>
+            <a:spLocks noGrp="1"/>
+          </p:cNvSpPr>
+          <p:nvPr>
+            <p:ph type="title"/>
+          </p:nvPr>
+        </p:nvSpPr>
+        <p:spPr/>
+        <p:txBody>
+          <a:bodyPr/>
+          <a:lstStyle/>
+          <a:p>
+            <a:r>
+              <a:rPr lang="es-ES" dirty="0"/>
+              <a:t>Concepto de juego</a:t>
+            </a:r>
+          </a:p>
+        </p:txBody>
+      </p:sp>
+      <p:sp>
+        <p:nvSpPr>
+          <p:cNvPr id="3" name="Marcador de contenido 2">
+            <a:extLst>
+              <a:ext uri="{FF2B5EF4-FFF2-40B4-BE49-F238E27FC236}">
+                <a16:creationId xmlns:a16="http://schemas.microsoft.com/office/drawing/2014/main" id="{84D98F72-33D8-4AF1-B40F-87C4FBCB9CEC}"/>
+              </a:ext>
+            </a:extLst>
+          </p:cNvPr>
+          <p:cNvSpPr>
+            <a:spLocks noGrp="1"/>
+          </p:cNvSpPr>
+          <p:nvPr>
+            <p:ph idx="1"/>
+          </p:nvPr>
+        </p:nvSpPr>
+        <p:spPr/>
+        <p:txBody>
+          <a:bodyPr/>
+          <a:lstStyle/>
+          <a:p>
+            <a:r>
+              <a:rPr lang="es-ES" dirty="0"/>
+              <a:t>La comunicación entre jugadores es esencial</a:t>
+            </a:r>
+          </a:p>
+          <a:p>
+            <a:r>
+              <a:rPr lang="es-ES" dirty="0"/>
+              <a:t>Los jugadores deben resolver los puzles juntos, combinando la información del entorno con la información del manual</a:t>
+            </a:r>
+          </a:p>
+          <a:p>
+            <a:pPr marL="0" indent="0">
+              <a:buNone/>
+            </a:pPr>
+            <a:endParaRPr lang="es-ES" dirty="0"/>
+          </a:p>
+        </p:txBody>
+      </p:sp>
+    </p:spTree>
+    <p:extLst>
+      <p:ext uri="{BB962C8B-B14F-4D97-AF65-F5344CB8AC3E}">
+        <p14:creationId xmlns:p14="http://schemas.microsoft.com/office/powerpoint/2010/main" val="3968765007"/>
+      </p:ext>
+    </p:extLst>
+  </p:cSld>
+  <p:clrMapOvr>
+    <a:masterClrMapping/>
+  </p:clrMapOvr>
+</p:sld>
+</file>
+
+<file path=ppt/slides/slide5.xml><?xml version="1.0" encoding="utf-8"?>
+<p:sld xmlns:a="http://schemas.openxmlformats.org/drawingml/2006/main" xmlns:r="http://schemas.openxmlformats.org/officeDocument/2006/relationships" xmlns:p="http://schemas.openxmlformats.org/presentationml/2006/main">
+  <p:cSld>
+    <p:spTree>
+      <p:nvGrpSpPr>
+        <p:cNvPr id="1" name=""/>
+        <p:cNvGrpSpPr/>
+        <p:nvPr/>
+      </p:nvGrpSpPr>
+      <p:grpSpPr>
+        <a:xfrm>
+          <a:off x="0" y="0"/>
+          <a:ext cx="0" cy="0"/>
+          <a:chOff x="0" y="0"/>
+          <a:chExt cx="0" cy="0"/>
+        </a:xfrm>
+      </p:grpSpPr>
+      <p:sp>
+        <p:nvSpPr>
+          <p:cNvPr id="2" name="Título 1">
+            <a:extLst>
+              <a:ext uri="{FF2B5EF4-FFF2-40B4-BE49-F238E27FC236}">
+                <a16:creationId xmlns:a16="http://schemas.microsoft.com/office/drawing/2014/main" id="{A841CCD2-F09F-4D10-87A5-65F52B920A02}"/>
+              </a:ext>
+            </a:extLst>
+          </p:cNvPr>
+          <p:cNvSpPr>
+            <a:spLocks noGrp="1"/>
+          </p:cNvSpPr>
+          <p:nvPr>
+            <p:ph type="title"/>
+          </p:nvPr>
+        </p:nvSpPr>
+        <p:spPr/>
+        <p:txBody>
+          <a:bodyPr/>
+          <a:lstStyle/>
+          <a:p>
+            <a:r>
+              <a:rPr lang="es-ES" dirty="0"/>
+              <a:t>Niveles</a:t>
+            </a:r>
+          </a:p>
+        </p:txBody>
+      </p:sp>
+      <p:sp>
+        <p:nvSpPr>
+          <p:cNvPr id="3" name="Marcador de contenido 2">
+            <a:extLst>
+              <a:ext uri="{FF2B5EF4-FFF2-40B4-BE49-F238E27FC236}">
+                <a16:creationId xmlns:a16="http://schemas.microsoft.com/office/drawing/2014/main" id="{2F14D735-0018-4ECB-B0F4-1277B9E50DE8}"/>
+              </a:ext>
+            </a:extLst>
+          </p:cNvPr>
+          <p:cNvSpPr>
+            <a:spLocks noGrp="1"/>
+          </p:cNvSpPr>
+          <p:nvPr>
+            <p:ph idx="1"/>
+          </p:nvPr>
+        </p:nvSpPr>
+        <p:spPr/>
+        <p:txBody>
+          <a:bodyPr/>
+          <a:lstStyle/>
+          <a:p>
+            <a:r>
+              <a:rPr lang="es-ES" dirty="0"/>
+              <a:t>Diversas sucursales pertenecientes a diferentes entidades bancarias ficticias</a:t>
+            </a:r>
+          </a:p>
+          <a:p>
+            <a:r>
+              <a:rPr lang="es-ES" dirty="0"/>
+              <a:t>Mapas en forma de laberinto</a:t>
+            </a:r>
+          </a:p>
+          <a:p>
+            <a:r>
+              <a:rPr lang="es-ES" dirty="0"/>
+              <a:t>Los obstáculos se encuentran repartidos por el mapa, dificultando la llegada hacia la caja fuerte</a:t>
+            </a:r>
+          </a:p>
+          <a:p>
+            <a:endParaRPr lang="es-ES" dirty="0"/>
+          </a:p>
+        </p:txBody>
+      </p:sp>
+    </p:spTree>
+    <p:extLst>
+      <p:ext uri="{BB962C8B-B14F-4D97-AF65-F5344CB8AC3E}">
+        <p14:creationId xmlns:p14="http://schemas.microsoft.com/office/powerpoint/2010/main" val="1003248311"/>
+      </p:ext>
+    </p:extLst>
+  </p:cSld>
+  <p:clrMapOvr>
+    <a:masterClrMapping/>
+  </p:clrMapOvr>
+</p:sld>
+</file>
+
+<file path=ppt/slides/slide6.xml><?xml version="1.0" encoding="utf-8"?>
+<p:sld xmlns:a="http://schemas.openxmlformats.org/drawingml/2006/main" xmlns:r="http://schemas.openxmlformats.org/officeDocument/2006/relationships" xmlns:p="http://schemas.openxmlformats.org/presentationml/2006/main">
+  <p:cSld>
+    <p:spTree>
+      <p:nvGrpSpPr>
+        <p:cNvPr id="1" name=""/>
+        <p:cNvGrpSpPr/>
+        <p:nvPr/>
+      </p:nvGrpSpPr>
+      <p:grpSpPr>
+        <a:xfrm>
+          <a:off x="0" y="0"/>
+          <a:ext cx="0" cy="0"/>
+          <a:chOff x="0" y="0"/>
+          <a:chExt cx="0" cy="0"/>
+        </a:xfrm>
+      </p:grpSpPr>
+      <p:sp>
+        <p:nvSpPr>
+          <p:cNvPr id="2" name="Título 1">
+            <a:extLst>
+              <a:ext uri="{FF2B5EF4-FFF2-40B4-BE49-F238E27FC236}">
+                <a16:creationId xmlns:a16="http://schemas.microsoft.com/office/drawing/2014/main" id="{E214B213-9961-4D29-87F7-A489BFB80568}"/>
+              </a:ext>
+            </a:extLst>
+          </p:cNvPr>
+          <p:cNvSpPr>
+            <a:spLocks noGrp="1"/>
+          </p:cNvSpPr>
+          <p:nvPr>
+            <p:ph type="title"/>
+          </p:nvPr>
+        </p:nvSpPr>
+        <p:spPr/>
+        <p:txBody>
+          <a:bodyPr/>
+          <a:lstStyle/>
+          <a:p>
+            <a:r>
+              <a:rPr lang="es-ES" dirty="0"/>
+              <a:t>Arte </a:t>
+            </a:r>
+          </a:p>
+        </p:txBody>
+      </p:sp>
+      <p:sp>
+        <p:nvSpPr>
+          <p:cNvPr id="3" name="Marcador de contenido 2">
+            <a:extLst>
+              <a:ext uri="{FF2B5EF4-FFF2-40B4-BE49-F238E27FC236}">
+                <a16:creationId xmlns:a16="http://schemas.microsoft.com/office/drawing/2014/main" id="{452C0EDC-0A9D-49B7-9BB7-59AC82EEEF74}"/>
+              </a:ext>
+            </a:extLst>
+          </p:cNvPr>
+          <p:cNvSpPr>
+            <a:spLocks noGrp="1"/>
+          </p:cNvSpPr>
+          <p:nvPr>
+            <p:ph idx="1"/>
+          </p:nvPr>
+        </p:nvSpPr>
+        <p:spPr/>
+        <p:txBody>
+          <a:bodyPr/>
+          <a:lstStyle/>
+          <a:p>
+            <a:r>
+              <a:rPr lang="es-ES" dirty="0"/>
+              <a:t>Arte 3D</a:t>
+            </a:r>
+          </a:p>
+          <a:p>
+            <a:r>
+              <a:rPr lang="es-ES" dirty="0"/>
+              <a:t>Estética minimalista </a:t>
+            </a:r>
+          </a:p>
+          <a:p>
+            <a:r>
+              <a:rPr lang="es-ES" dirty="0"/>
+              <a:t>Principalmente se han utilizado grises y colores apagados</a:t>
+            </a:r>
+          </a:p>
+          <a:p>
+            <a:r>
+              <a:rPr lang="es-ES" dirty="0"/>
+              <a:t>Colores más vívidos para resaltar elementos importantes dentro de la escena</a:t>
+            </a:r>
+          </a:p>
+          <a:p>
+            <a:endParaRPr lang="es-ES" dirty="0"/>
+          </a:p>
+        </p:txBody>
+      </p:sp>
+    </p:spTree>
+    <p:extLst>
+      <p:ext uri="{BB962C8B-B14F-4D97-AF65-F5344CB8AC3E}">
+        <p14:creationId xmlns:p14="http://schemas.microsoft.com/office/powerpoint/2010/main" val="3948591060"/>
+      </p:ext>
+    </p:extLst>
+  </p:cSld>
+  <p:clrMapOvr>
+    <a:masterClrMapping/>
+  </p:clrMapOvr>
+</p:sld>
+</file>
+
+<file path=ppt/slides/slide7.xml><?xml version="1.0" encoding="utf-8"?>
+<p:sld xmlns:a="http://schemas.openxmlformats.org/drawingml/2006/main" xmlns:r="http://schemas.openxmlformats.org/officeDocument/2006/relationships" xmlns:p="http://schemas.openxmlformats.org/presentationml/2006/main">
+  <p:cSld>
+    <p:spTree>
+      <p:nvGrpSpPr>
+        <p:cNvPr id="1" name=""/>
+        <p:cNvGrpSpPr/>
+        <p:nvPr/>
+      </p:nvGrpSpPr>
+      <p:grpSpPr>
+        <a:xfrm>
+          <a:off x="0" y="0"/>
+          <a:ext cx="0" cy="0"/>
+          <a:chOff x="0" y="0"/>
+          <a:chExt cx="0" cy="0"/>
+        </a:xfrm>
+      </p:grpSpPr>
+      <p:sp>
+        <p:nvSpPr>
+          <p:cNvPr id="2" name="Título 1">
+            <a:extLst>
+              <a:ext uri="{FF2B5EF4-FFF2-40B4-BE49-F238E27FC236}">
+                <a16:creationId xmlns:a16="http://schemas.microsoft.com/office/drawing/2014/main" id="{F689AC48-7DA9-4D39-8099-60ECBAA9E89F}"/>
+              </a:ext>
+            </a:extLst>
+          </p:cNvPr>
+          <p:cNvSpPr>
+            <a:spLocks noGrp="1"/>
+          </p:cNvSpPr>
+          <p:nvPr>
+            <p:ph type="title"/>
+          </p:nvPr>
+        </p:nvSpPr>
+        <p:spPr>
+          <a:xfrm>
+            <a:off x="810001" y="447188"/>
+            <a:ext cx="3413084" cy="1559412"/>
+          </a:xfrm>
+          <a:effectLst/>
+        </p:spPr>
+        <p:txBody>
+          <a:bodyPr>
+            <a:normAutofit/>
+          </a:bodyPr>
+          <a:lstStyle/>
+          <a:p>
+            <a:r>
+              <a:rPr lang="es-ES" sz="3200">
+                <a:solidFill>
+                  <a:schemeClr val="tx1"/>
+                </a:solidFill>
+              </a:rPr>
+              <a:t>Arte</a:t>
+            </a:r>
+          </a:p>
+        </p:txBody>
+      </p:sp>
+      <p:sp>
+        <p:nvSpPr>
+          <p:cNvPr id="3" name="Marcador de contenido 2">
+            <a:extLst>
+              <a:ext uri="{FF2B5EF4-FFF2-40B4-BE49-F238E27FC236}">
+                <a16:creationId xmlns:a16="http://schemas.microsoft.com/office/drawing/2014/main" id="{C9ABF345-E490-4469-936A-A393F23EE8DA}"/>
+              </a:ext>
+            </a:extLst>
+          </p:cNvPr>
+          <p:cNvSpPr>
+            <a:spLocks noGrp="1"/>
+          </p:cNvSpPr>
+          <p:nvPr>
+            <p:ph idx="1"/>
+          </p:nvPr>
+        </p:nvSpPr>
+        <p:spPr>
+          <a:xfrm>
+            <a:off x="818713" y="2413000"/>
+            <a:ext cx="3404372" cy="3632200"/>
+          </a:xfrm>
+          <a:effectLst/>
+        </p:spPr>
+        <p:txBody>
+          <a:bodyPr>
+            <a:normAutofit/>
+          </a:bodyPr>
+          <a:lstStyle/>
+          <a:p>
+            <a:r>
+              <a:rPr lang="es-ES" sz="1600" dirty="0" err="1"/>
+              <a:t>Assets</a:t>
+            </a:r>
+            <a:r>
+              <a:rPr lang="es-ES" sz="1600" dirty="0"/>
+              <a:t> propios</a:t>
+            </a:r>
+          </a:p>
+          <a:p>
+            <a:endParaRPr lang="es-ES" sz="1600" dirty="0"/>
+          </a:p>
+          <a:p>
+            <a:endParaRPr lang="es-ES" sz="1600" dirty="0"/>
+          </a:p>
+          <a:p>
+            <a:endParaRPr lang="es-ES" sz="1600" dirty="0"/>
+          </a:p>
+        </p:txBody>
+      </p:sp>
+      <p:pic>
+        <p:nvPicPr>
+          <p:cNvPr id="9" name="Imagen 8" descr="Imagen que contiene interior&#10;&#10;Descripción generada con confianza alta">
+            <a:extLst>
+              <a:ext uri="{FF2B5EF4-FFF2-40B4-BE49-F238E27FC236}">
+                <a16:creationId xmlns:a16="http://schemas.microsoft.com/office/drawing/2014/main" id="{4612B087-AAE5-4C47-AAA7-287276137DC1}"/>
+              </a:ext>
+            </a:extLst>
+          </p:cNvPr>
+          <p:cNvPicPr>
+            <a:picLocks noChangeAspect="1"/>
+          </p:cNvPicPr>
+          <p:nvPr/>
+        </p:nvPicPr>
+        <p:blipFill rotWithShape="1">
+          <a:blip r:embed="rId2"/>
+          <a:srcRect l="14440" r="4943" b="1"/>
+          <a:stretch/>
+        </p:blipFill>
+        <p:spPr>
+          <a:xfrm>
+            <a:off x="5599594" y="1274970"/>
+            <a:ext cx="2732283" cy="2075860"/>
+          </a:xfrm>
+          <a:prstGeom prst="rect">
+            <a:avLst/>
+          </a:prstGeom>
+        </p:spPr>
+      </p:pic>
+      <p:pic>
+        <p:nvPicPr>
+          <p:cNvPr id="5" name="Imagen 4">
+            <a:extLst>
+              <a:ext uri="{FF2B5EF4-FFF2-40B4-BE49-F238E27FC236}">
+                <a16:creationId xmlns:a16="http://schemas.microsoft.com/office/drawing/2014/main" id="{02912633-C7F2-495A-95FF-5D151D0453B8}"/>
+              </a:ext>
+            </a:extLst>
+          </p:cNvPr>
+          <p:cNvPicPr>
+            <a:picLocks noChangeAspect="1"/>
+          </p:cNvPicPr>
+          <p:nvPr/>
+        </p:nvPicPr>
+        <p:blipFill rotWithShape="1">
+          <a:blip r:embed="rId3"/>
+          <a:srcRect r="3" b="11377"/>
+          <a:stretch/>
+        </p:blipFill>
+        <p:spPr>
+          <a:xfrm>
+            <a:off x="8495603" y="1274969"/>
+            <a:ext cx="2731522" cy="2075861"/>
+          </a:xfrm>
+          <a:prstGeom prst="rect">
+            <a:avLst/>
+          </a:prstGeom>
+        </p:spPr>
+      </p:pic>
+      <p:pic>
+        <p:nvPicPr>
+          <p:cNvPr id="11" name="Imagen 10" descr="Imagen que contiene electrónica, ordenador, sentado&#10;&#10;Descripción generada con confianza alta">
+            <a:extLst>
+              <a:ext uri="{FF2B5EF4-FFF2-40B4-BE49-F238E27FC236}">
+                <a16:creationId xmlns:a16="http://schemas.microsoft.com/office/drawing/2014/main" id="{DF2FD60C-1F12-488A-94C6-CAEA3B9FCBB9}"/>
+              </a:ext>
+            </a:extLst>
+          </p:cNvPr>
+          <p:cNvPicPr>
+            <a:picLocks noChangeAspect="1"/>
+          </p:cNvPicPr>
+          <p:nvPr/>
+        </p:nvPicPr>
+        <p:blipFill rotWithShape="1">
+          <a:blip r:embed="rId4"/>
+          <a:srcRect t="6367" r="4" b="18173"/>
+          <a:stretch/>
+        </p:blipFill>
+        <p:spPr>
+          <a:xfrm>
+            <a:off x="5596728" y="3507171"/>
+            <a:ext cx="2732283" cy="2082677"/>
+          </a:xfrm>
+          <a:prstGeom prst="rect">
+            <a:avLst/>
+          </a:prstGeom>
+        </p:spPr>
+      </p:pic>
+      <p:pic>
+        <p:nvPicPr>
+          <p:cNvPr id="7" name="Imagen 6" descr="Imagen que contiene electrónica&#10;&#10;Descripción generada con confianza alta">
+            <a:extLst>
+              <a:ext uri="{FF2B5EF4-FFF2-40B4-BE49-F238E27FC236}">
+                <a16:creationId xmlns:a16="http://schemas.microsoft.com/office/drawing/2014/main" id="{003DEA81-0F52-4CB4-AD48-7C8E780C17B9}"/>
+              </a:ext>
+            </a:extLst>
+          </p:cNvPr>
+          <p:cNvPicPr>
+            <a:picLocks noChangeAspect="1"/>
+          </p:cNvPicPr>
+          <p:nvPr/>
+        </p:nvPicPr>
+        <p:blipFill rotWithShape="1">
+          <a:blip r:embed="rId5"/>
+          <a:srcRect r="4371" b="5"/>
+          <a:stretch/>
+        </p:blipFill>
+        <p:spPr>
+          <a:xfrm>
+            <a:off x="8495604" y="3507171"/>
+            <a:ext cx="2731522" cy="2082677"/>
+          </a:xfrm>
+          <a:prstGeom prst="rect">
+            <a:avLst/>
+          </a:prstGeom>
+        </p:spPr>
+      </p:pic>
+    </p:spTree>
+    <p:extLst>
+      <p:ext uri="{BB962C8B-B14F-4D97-AF65-F5344CB8AC3E}">
+        <p14:creationId xmlns:p14="http://schemas.microsoft.com/office/powerpoint/2010/main" val="2644953310"/>
+      </p:ext>
+    </p:extLst>
+  </p:cSld>
+  <p:clrMapOvr>
+    <a:masterClrMapping/>
+  </p:clrMapOvr>
+</p:sld>
+</file>
+
+<file path=ppt/slides/slide8.xml><?xml version="1.0" encoding="utf-8"?>
+<p:sld xmlns:a="http://schemas.openxmlformats.org/drawingml/2006/main" xmlns:r="http://schemas.openxmlformats.org/officeDocument/2006/relationships" xmlns:p="http://schemas.openxmlformats.org/presentationml/2006/main">
+  <p:cSld>
+    <p:bg>
+      <p:bgPr>
+        <a:solidFill>
+          <a:schemeClr val="bg1"/>
+        </a:solidFill>
+        <a:effectLst/>
+      </p:bgPr>
+    </p:bg>
+    <p:spTree>
+      <p:nvGrpSpPr>
+        <p:cNvPr id="1" name=""/>
+        <p:cNvGrpSpPr/>
+        <p:nvPr/>
+      </p:nvGrpSpPr>
+      <p:grpSpPr>
+        <a:xfrm>
+          <a:off x="0" y="0"/>
+          <a:ext cx="0" cy="0"/>
+          <a:chOff x="0" y="0"/>
+          <a:chExt cx="0" cy="0"/>
+        </a:xfrm>
+      </p:grpSpPr>
+      <p:sp>
+        <p:nvSpPr>
+          <p:cNvPr id="71" name="Freeform: Shape 70">
+            <a:extLst>
+              <a:ext uri="{FF2B5EF4-FFF2-40B4-BE49-F238E27FC236}">
+                <a16:creationId xmlns:a16="http://schemas.microsoft.com/office/drawing/2014/main" id="{9610F818-219E-491F-887F-B078103BA2B4}"/>
+              </a:ext>
+              <a:ext uri="{C183D7F6-B498-43B3-948B-1728B52AA6E4}">
+                <adec:decorative xmlns:adec="http://schemas.microsoft.com/office/drawing/2017/decorative" val="1"/>
+              </a:ext>
+            </a:extLst>
+          </p:cNvPr>
+          <p:cNvSpPr>
+            <a:spLocks noGrp="1" noRot="1" noChangeAspect="1" noMove="1" noResize="1" noEditPoints="1" noAdjustHandles="1" noChangeArrowheads="1" noChangeShapeType="1" noTextEdit="1"/>
+          </p:cNvSpPr>
+          <p:nvPr>
+            <p:extLst>
+              <p:ext uri="{386F3935-93C4-4BCD-93E2-E3B085C9AB24}">
+                <p16:designElem xmlns:p16="http://schemas.microsoft.com/office/powerpoint/2015/main" val="1"/>
+              </p:ext>
+            </p:extLst>
+          </p:nvPr>
+        </p:nvSpPr>
+        <p:spPr>
+          <a:xfrm>
+            <a:off x="-2" y="3739895"/>
+            <a:ext cx="12192000" cy="3118104"/>
+          </a:xfrm>
+          <a:custGeom>
+            <a:avLst/>
+            <a:gdLst>
+              <a:gd name="connsiteX0" fmla="*/ 0 w 12192000"/>
+              <a:gd name="connsiteY0" fmla="*/ 0 h 3118104"/>
+              <a:gd name="connsiteX1" fmla="*/ 3676329 w 12192000"/>
+              <a:gd name="connsiteY1" fmla="*/ 0 h 3118104"/>
+              <a:gd name="connsiteX2" fmla="*/ 5595257 w 12192000"/>
+              <a:gd name="connsiteY2" fmla="*/ 0 h 3118104"/>
+              <a:gd name="connsiteX3" fmla="*/ 5672349 w 12192000"/>
+              <a:gd name="connsiteY3" fmla="*/ 0 h 3118104"/>
+              <a:gd name="connsiteX4" fmla="*/ 6053347 w 12192000"/>
+              <a:gd name="connsiteY4" fmla="*/ 263783 h 3118104"/>
+              <a:gd name="connsiteX5" fmla="*/ 6061813 w 12192000"/>
+              <a:gd name="connsiteY5" fmla="*/ 266713 h 3118104"/>
+              <a:gd name="connsiteX6" fmla="*/ 6074513 w 12192000"/>
+              <a:gd name="connsiteY6" fmla="*/ 271110 h 3118104"/>
+              <a:gd name="connsiteX7" fmla="*/ 6087212 w 12192000"/>
+              <a:gd name="connsiteY7" fmla="*/ 275506 h 3118104"/>
+              <a:gd name="connsiteX8" fmla="*/ 6097797 w 12192000"/>
+              <a:gd name="connsiteY8" fmla="*/ 275506 h 3118104"/>
+              <a:gd name="connsiteX9" fmla="*/ 6110496 w 12192000"/>
+              <a:gd name="connsiteY9" fmla="*/ 275506 h 3118104"/>
+              <a:gd name="connsiteX10" fmla="*/ 6121079 w 12192000"/>
+              <a:gd name="connsiteY10" fmla="*/ 271110 h 3118104"/>
+              <a:gd name="connsiteX11" fmla="*/ 6133779 w 12192000"/>
+              <a:gd name="connsiteY11" fmla="*/ 266713 h 3118104"/>
+              <a:gd name="connsiteX12" fmla="*/ 6142246 w 12192000"/>
+              <a:gd name="connsiteY12" fmla="*/ 263783 h 3118104"/>
+              <a:gd name="connsiteX13" fmla="*/ 6523247 w 12192000"/>
+              <a:gd name="connsiteY13" fmla="*/ 0 h 3118104"/>
+              <a:gd name="connsiteX14" fmla="*/ 6596743 w 12192000"/>
+              <a:gd name="connsiteY14" fmla="*/ 0 h 3118104"/>
+              <a:gd name="connsiteX15" fmla="*/ 12186115 w 12192000"/>
+              <a:gd name="connsiteY15" fmla="*/ 0 h 3118104"/>
+              <a:gd name="connsiteX16" fmla="*/ 12192000 w 12192000"/>
+              <a:gd name="connsiteY16" fmla="*/ 0 h 3118104"/>
+              <a:gd name="connsiteX17" fmla="*/ 12192000 w 12192000"/>
+              <a:gd name="connsiteY17" fmla="*/ 3118104 h 3118104"/>
+              <a:gd name="connsiteX18" fmla="*/ 7728858 w 12192000"/>
+              <a:gd name="connsiteY18" fmla="*/ 3118104 h 3118104"/>
+              <a:gd name="connsiteX19" fmla="*/ 6596743 w 12192000"/>
+              <a:gd name="connsiteY19" fmla="*/ 3118104 h 3118104"/>
+              <a:gd name="connsiteX20" fmla="*/ 5595257 w 12192000"/>
+              <a:gd name="connsiteY20" fmla="*/ 3118104 h 3118104"/>
+              <a:gd name="connsiteX21" fmla="*/ 2906487 w 12192000"/>
+              <a:gd name="connsiteY21" fmla="*/ 3118104 h 3118104"/>
+              <a:gd name="connsiteX22" fmla="*/ 0 w 12192000"/>
+              <a:gd name="connsiteY22" fmla="*/ 3118104 h 3118104"/>
+            </a:gdLst>
+            <a:ahLst/>
+            <a:cxnLst>
+              <a:cxn ang="0">
+                <a:pos x="connsiteX0" y="connsiteY0"/>
+              </a:cxn>
+              <a:cxn ang="0">
+                <a:pos x="connsiteX1" y="connsiteY1"/>
+              </a:cxn>
+              <a:cxn ang="0">
+                <a:pos x="connsiteX2" y="connsiteY2"/>
+              </a:cxn>
+              <a:cxn ang="0">
+                <a:pos x="connsiteX3" y="connsiteY3"/>
+              </a:cxn>
+              <a:cxn ang="0">
+                <a:pos x="connsiteX4" y="connsiteY4"/>
+              </a:cxn>
+              <a:cxn ang="0">
+                <a:pos x="connsiteX5" y="connsiteY5"/>
+              </a:cxn>
+              <a:cxn ang="0">
+                <a:pos x="connsiteX6" y="connsiteY6"/>
+              </a:cxn>
+              <a:cxn ang="0">
+                <a:pos x="connsiteX7" y="connsiteY7"/>
+              </a:cxn>
+              <a:cxn ang="0">
+                <a:pos x="connsiteX8" y="connsiteY8"/>
+              </a:cxn>
+              <a:cxn ang="0">
+                <a:pos x="connsiteX9" y="connsiteY9"/>
+              </a:cxn>
+              <a:cxn ang="0">
+                <a:pos x="connsiteX10" y="connsiteY10"/>
+              </a:cxn>
+              <a:cxn ang="0">
+                <a:pos x="connsiteX11" y="connsiteY11"/>
+              </a:cxn>
+              <a:cxn ang="0">
+                <a:pos x="connsiteX12" y="connsiteY12"/>
+              </a:cxn>
+              <a:cxn ang="0">
+                <a:pos x="connsiteX13" y="connsiteY13"/>
+              </a:cxn>
+              <a:cxn ang="0">
+                <a:pos x="connsiteX14" y="connsiteY14"/>
+              </a:cxn>
+              <a:cxn ang="0">
+                <a:pos x="connsiteX15" y="connsiteY15"/>
+              </a:cxn>
+              <a:cxn ang="0">
+                <a:pos x="connsiteX16" y="connsiteY16"/>
+              </a:cxn>
+              <a:cxn ang="0">
+                <a:pos x="connsiteX17" y="connsiteY17"/>
+              </a:cxn>
+              <a:cxn ang="0">
+                <a:pos x="connsiteX18" y="connsiteY18"/>
+              </a:cxn>
+              <a:cxn ang="0">
+                <a:pos x="connsiteX19" y="connsiteY19"/>
+              </a:cxn>
+              <a:cxn ang="0">
+                <a:pos x="connsiteX20" y="connsiteY20"/>
+              </a:cxn>
+              <a:cxn ang="0">
+                <a:pos x="connsiteX21" y="connsiteY21"/>
+              </a:cxn>
+              <a:cxn ang="0">
+                <a:pos x="connsiteX22" y="connsiteY22"/>
+              </a:cxn>
+            </a:cxnLst>
+            <a:rect l="l" t="t" r="r" b="b"/>
+            <a:pathLst>
+              <a:path w="12192000" h="3118104">
+                <a:moveTo>
+                  <a:pt x="0" y="0"/>
+                </a:moveTo>
+                <a:lnTo>
+                  <a:pt x="3676329" y="0"/>
+                </a:lnTo>
+                <a:lnTo>
+                  <a:pt x="5595257" y="0"/>
+                </a:lnTo>
+                <a:lnTo>
+                  <a:pt x="5672349" y="0"/>
+                </a:lnTo>
+                <a:lnTo>
+                  <a:pt x="6053347" y="263783"/>
+                </a:lnTo>
+                <a:lnTo>
+                  <a:pt x="6061813" y="266713"/>
+                </a:lnTo>
+                <a:lnTo>
+                  <a:pt x="6074513" y="271110"/>
+                </a:lnTo>
+                <a:lnTo>
+                  <a:pt x="6087212" y="275506"/>
+                </a:lnTo>
+                <a:lnTo>
+                  <a:pt x="6097797" y="275506"/>
+                </a:lnTo>
+                <a:lnTo>
+                  <a:pt x="6110496" y="275506"/>
+                </a:lnTo>
+                <a:lnTo>
+                  <a:pt x="6121079" y="271110"/>
+                </a:lnTo>
+                <a:lnTo>
+                  <a:pt x="6133779" y="266713"/>
+                </a:lnTo>
+                <a:lnTo>
+                  <a:pt x="6142246" y="263783"/>
+                </a:lnTo>
+                <a:lnTo>
+                  <a:pt x="6523247" y="0"/>
+                </a:lnTo>
+                <a:lnTo>
+                  <a:pt x="6596743" y="0"/>
+                </a:lnTo>
+                <a:lnTo>
+                  <a:pt x="12186115" y="0"/>
+                </a:lnTo>
+                <a:lnTo>
+                  <a:pt x="12192000" y="0"/>
+                </a:lnTo>
+                <a:lnTo>
+                  <a:pt x="12192000" y="3118104"/>
+                </a:lnTo>
+                <a:lnTo>
+                  <a:pt x="7728858" y="3118104"/>
+                </a:lnTo>
+                <a:lnTo>
+                  <a:pt x="6596743" y="3118104"/>
+                </a:lnTo>
+                <a:lnTo>
+                  <a:pt x="5595257" y="3118104"/>
+                </a:lnTo>
+                <a:lnTo>
+                  <a:pt x="2906487" y="3118104"/>
+                </a:lnTo>
+                <a:lnTo>
+                  <a:pt x="0" y="3118104"/>
+                </a:lnTo>
+                <a:close/>
+              </a:path>
+            </a:pathLst>
+          </a:custGeom>
+          <a:solidFill>
+            <a:srgbClr val="212121"/>
+          </a:solidFill>
+          <a:ln>
+            <a:noFill/>
+          </a:ln>
+        </p:spPr>
+        <p:style>
+          <a:lnRef idx="2">
+            <a:schemeClr val="accent1">
+              <a:shade val="50000"/>
+            </a:schemeClr>
+          </a:lnRef>
+          <a:fillRef idx="1">
+            <a:schemeClr val="accent1"/>
+          </a:fillRef>
+          <a:effectRef idx="0">
+            <a:schemeClr val="accent1"/>
+          </a:effectRef>
+          <a:fontRef idx="minor">
+            <a:schemeClr val="lt1"/>
+          </a:fontRef>
+        </p:style>
+        <p:txBody>
+          <a:bodyPr rtlCol="0" anchor="ctr"/>
+          <a:lstStyle/>
+          <a:p>
+            <a:pPr algn="ctr"/>
+            <a:endParaRPr lang="en-US"/>
+          </a:p>
+        </p:txBody>
+      </p:sp>
+      <p:sp>
+        <p:nvSpPr>
+          <p:cNvPr id="2" name="Título 1">
+            <a:extLst>
+              <a:ext uri="{FF2B5EF4-FFF2-40B4-BE49-F238E27FC236}">
+                <a16:creationId xmlns:a16="http://schemas.microsoft.com/office/drawing/2014/main" id="{A21792DE-C706-489A-914E-FA40B497BC84}"/>
+              </a:ext>
+            </a:extLst>
+          </p:cNvPr>
+          <p:cNvSpPr>
+            <a:spLocks noGrp="1"/>
+          </p:cNvSpPr>
+          <p:nvPr>
+            <p:ph type="ctrTitle"/>
+          </p:nvPr>
+        </p:nvSpPr>
+        <p:spPr>
+          <a:xfrm>
+            <a:off x="810001" y="4080386"/>
+            <a:ext cx="10572000" cy="1388741"/>
+          </a:xfrm>
+        </p:spPr>
+        <p:txBody>
+          <a:bodyPr>
+            <a:normAutofit/>
+          </a:bodyPr>
+          <a:lstStyle/>
+          <a:p>
+            <a:pPr algn="ctr"/>
+            <a:r>
+              <a:rPr lang="es-ES">
+                <a:solidFill>
+                  <a:srgbClr val="FFFFFF"/>
+                </a:solidFill>
+              </a:rPr>
+              <a:t>Manual</a:t>
+            </a:r>
+          </a:p>
+        </p:txBody>
+      </p:sp>
+      <p:sp>
+        <p:nvSpPr>
+          <p:cNvPr id="73" name="Rounded Rectangle 16">
+            <a:extLst>
+              <a:ext uri="{FF2B5EF4-FFF2-40B4-BE49-F238E27FC236}">
+                <a16:creationId xmlns:a16="http://schemas.microsoft.com/office/drawing/2014/main" id="{5A086AAD-1108-41EB-A7C9-5E22CA942EB2}"/>
+              </a:ext>
+              <a:ext uri="{C183D7F6-B498-43B3-948B-1728B52AA6E4}">
+                <adec:decorative xmlns:adec="http://schemas.microsoft.com/office/drawing/2017/decorative" val="1"/>
+              </a:ext>
+            </a:extLst>
+          </p:cNvPr>
+          <p:cNvSpPr>
+            <a:spLocks noGrp="1" noRot="1" noChangeAspect="1" noMove="1" noResize="1" noEditPoints="1" noAdjustHandles="1" noChangeArrowheads="1" noChangeShapeType="1" noTextEdit="1"/>
+          </p:cNvSpPr>
+          <p:nvPr>
+            <p:extLst>
+              <p:ext uri="{386F3935-93C4-4BCD-93E2-E3B085C9AB24}">
+                <p16:designElem xmlns:p16="http://schemas.microsoft.com/office/powerpoint/2015/main" val="1"/>
+              </p:ext>
+            </p:extLst>
+          </p:nvPr>
+        </p:nvSpPr>
+        <p:spPr>
+          <a:xfrm>
+            <a:off x="2210472" y="643464"/>
+            <a:ext cx="7757804" cy="2817491"/>
+          </a:xfrm>
+          <a:prstGeom prst="roundRect">
+            <a:avLst>
+              <a:gd name="adj" fmla="val 3513"/>
+            </a:avLst>
+          </a:prstGeom>
+          <a:solidFill>
+            <a:schemeClr val="bg1"/>
+          </a:solidFill>
+          <a:ln>
+            <a:solidFill>
+              <a:schemeClr val="accent1">
+                <a:lumMod val="75000"/>
+              </a:schemeClr>
+            </a:solidFill>
+          </a:ln>
+          <a:effectLst/>
+        </p:spPr>
+        <p:style>
+          <a:lnRef idx="2">
+            <a:schemeClr val="accent1">
+              <a:shade val="50000"/>
+            </a:schemeClr>
+          </a:lnRef>
+          <a:fillRef idx="1">
+            <a:schemeClr val="accent1"/>
+          </a:fillRef>
+          <a:effectRef idx="0">
+            <a:schemeClr val="accent1"/>
+          </a:effectRef>
+          <a:fontRef idx="minor">
+            <a:schemeClr val="lt1"/>
+          </a:fontRef>
+        </p:style>
+        <p:txBody>
+          <a:bodyPr rtlCol="0" anchor="ctr"/>
+          <a:lstStyle/>
+          <a:p>
+            <a:pPr algn="ctr"/>
+            <a:endParaRPr lang="en-US"/>
+          </a:p>
+        </p:txBody>
+      </p:sp>
+      <p:pic>
+        <p:nvPicPr>
+          <p:cNvPr id="1026" name="Picture 2" descr="Resultado de imagen de world wide web consortium">
+            <a:extLst>
+              <a:ext uri="{FF2B5EF4-FFF2-40B4-BE49-F238E27FC236}">
+                <a16:creationId xmlns:a16="http://schemas.microsoft.com/office/drawing/2014/main" id="{A879CFC0-F96D-4554-B38F-3F6E59C9E2EE}"/>
+              </a:ext>
+            </a:extLst>
+          </p:cNvPr>
+          <p:cNvPicPr>
+            <a:picLocks noChangeAspect="1" noChangeArrowheads="1"/>
+          </p:cNvPicPr>
+          <p:nvPr/>
+        </p:nvPicPr>
+        <p:blipFill>
+          <a:blip r:embed="rId2">
+            <a:extLst>
+              <a:ext uri="{28A0092B-C50C-407E-A947-70E740481C1C}">
+                <a14:useLocalDpi xmlns:a14="http://schemas.microsoft.com/office/drawing/2010/main" val="0"/>
+              </a:ext>
+            </a:extLst>
+          </a:blip>
+          <a:srcRect/>
+          <a:stretch>
+            <a:fillRect/>
+          </a:stretch>
+        </p:blipFill>
+        <p:spPr bwMode="auto">
+          <a:xfrm>
+            <a:off x="4389568" y="884810"/>
+            <a:ext cx="3403672" cy="2320054"/>
+          </a:xfrm>
+          <a:prstGeom prst="rect">
+            <a:avLst/>
+          </a:prstGeom>
+          <a:noFill/>
+          <a:extLst>
+            <a:ext uri="{909E8E84-426E-40DD-AFC4-6F175D3DCCD1}">
+              <a14:hiddenFill xmlns:a14="http://schemas.microsoft.com/office/drawing/2010/main">
+                <a:solidFill>
+                  <a:srgbClr val="FFFFFF"/>
+                </a:solidFill>
+              </a14:hiddenFill>
+            </a:ext>
+          </a:extLst>
+        </p:spPr>
+      </p:pic>
+    </p:spTree>
+    <p:extLst>
+      <p:ext uri="{BB962C8B-B14F-4D97-AF65-F5344CB8AC3E}">
+        <p14:creationId xmlns:p14="http://schemas.microsoft.com/office/powerpoint/2010/main" val="2266843876"/>
+      </p:ext>
+    </p:extLst>
+  </p:cSld>
+  <p:clrMapOvr>
+    <a:overrideClrMapping bg1="lt1" tx1="dk1" bg2="lt2" tx2="dk2" accent1="accent1" accent2="accent2" accent3="accent3" accent4="accent4" accent5="accent5" accent6="accent6" hlink="hlink" folHlink="folHlink"/>
+  </p:clrMapOvr>
+</p:sld>
+</file>
+
+<file path=ppt/slides/slide9.xml><?xml version="1.0" encoding="utf-8"?>
+<p:sld xmlns:a="http://schemas.openxmlformats.org/drawingml/2006/main" xmlns:r="http://schemas.openxmlformats.org/officeDocument/2006/relationships" xmlns:p="http://schemas.openxmlformats.org/presentationml/2006/main">
+  <p:cSld>
+    <p:bg>
+      <p:bgPr>
+        <a:solidFill>
+          <a:schemeClr val="bg2"/>
+        </a:solidFill>
+        <a:effectLst/>
+      </p:bgPr>
+    </p:bg>
+    <p:spTree>
+      <p:nvGrpSpPr>
+        <p:cNvPr id="1" name=""/>
+        <p:cNvGrpSpPr/>
+        <p:nvPr/>
+      </p:nvGrpSpPr>
+      <p:grpSpPr>
+        <a:xfrm>
+          <a:off x="0" y="0"/>
+          <a:ext cx="0" cy="0"/>
+          <a:chOff x="0" y="0"/>
+          <a:chExt cx="0" cy="0"/>
+        </a:xfrm>
+      </p:grpSpPr>
+      <p:sp>
+        <p:nvSpPr>
+          <p:cNvPr id="2" name="Título 1">
+            <a:extLst>
+              <a:ext uri="{FF2B5EF4-FFF2-40B4-BE49-F238E27FC236}">
+                <a16:creationId xmlns:a16="http://schemas.microsoft.com/office/drawing/2014/main" id="{EC74E62D-0749-4295-B299-A0F8D91B7E18}"/>
+              </a:ext>
+            </a:extLst>
+          </p:cNvPr>
+          <p:cNvSpPr>
+            <a:spLocks noGrp="1"/>
+          </p:cNvSpPr>
+          <p:nvPr>
+            <p:ph type="title"/>
+          </p:nvPr>
+        </p:nvSpPr>
+        <p:spPr>
+          <a:xfrm>
+            <a:off x="810000" y="447188"/>
+            <a:ext cx="10571998" cy="970450"/>
+          </a:xfrm>
+        </p:spPr>
+        <p:txBody>
+          <a:bodyPr>
+            <a:normAutofit fontScale="90000"/>
+          </a:bodyPr>
+          <a:lstStyle/>
+          <a:p>
+            <a:r>
+              <a:rPr lang="es-ES" dirty="0"/>
+              <a:t>Información sobre las entidades bancarias</a:t>
+            </a:r>
+          </a:p>
+        </p:txBody>
+      </p:sp>
+      <p:sp>
+        <p:nvSpPr>
+          <p:cNvPr id="3" name="Marcador de contenido 2">
+            <a:extLst>
+              <a:ext uri="{FF2B5EF4-FFF2-40B4-BE49-F238E27FC236}">
+                <a16:creationId xmlns:a16="http://schemas.microsoft.com/office/drawing/2014/main" id="{985D6D5E-7A6A-4206-BDBB-CEC1294F6AB5}"/>
+              </a:ext>
+            </a:extLst>
+          </p:cNvPr>
+          <p:cNvSpPr>
+            <a:spLocks noGrp="1"/>
+          </p:cNvSpPr>
+          <p:nvPr>
+            <p:ph idx="1"/>
+          </p:nvPr>
+        </p:nvSpPr>
+        <p:spPr>
+          <a:xfrm>
+            <a:off x="818713" y="2413000"/>
+            <a:ext cx="3835583" cy="3632200"/>
+          </a:xfrm>
+        </p:spPr>
+        <p:txBody>
+          <a:bodyPr>
+            <a:normAutofit/>
+          </a:bodyPr>
+          <a:lstStyle/>
+          <a:p>
+            <a:r>
+              <a:rPr lang="es-ES" sz="1600" dirty="0"/>
+              <a:t>Sirve para detectar en que sucursal se encuentra el jugador</a:t>
+            </a:r>
+          </a:p>
+        </p:txBody>
+      </p:sp>
+      <p:pic>
+        <p:nvPicPr>
+          <p:cNvPr id="4" name="Imagen 3">
+            <a:extLst>
+              <a:ext uri="{FF2B5EF4-FFF2-40B4-BE49-F238E27FC236}">
+                <a16:creationId xmlns:a16="http://schemas.microsoft.com/office/drawing/2014/main" id="{AF650195-D217-48F7-8DDB-4AB9D0A2C959}"/>
+              </a:ext>
+            </a:extLst>
+          </p:cNvPr>
+          <p:cNvPicPr>
+            <a:picLocks noChangeAspect="1"/>
+          </p:cNvPicPr>
+          <p:nvPr/>
+        </p:nvPicPr>
+        <p:blipFill>
+          <a:blip r:embed="rId2"/>
+          <a:stretch>
+            <a:fillRect/>
+          </a:stretch>
+        </p:blipFill>
+        <p:spPr>
+          <a:xfrm>
+            <a:off x="5101851" y="2505665"/>
+            <a:ext cx="6277349" cy="3531008"/>
+          </a:xfrm>
+          <a:prstGeom prst="roundRect">
+            <a:avLst>
+              <a:gd name="adj" fmla="val 3876"/>
+            </a:avLst>
+          </a:prstGeom>
+          <a:ln>
+            <a:solidFill>
+              <a:schemeClr val="accent1"/>
+            </a:solidFill>
+          </a:ln>
+          <a:effectLst/>
+        </p:spPr>
+      </p:pic>
+    </p:spTree>
+    <p:extLst>
+      <p:ext uri="{BB962C8B-B14F-4D97-AF65-F5344CB8AC3E}">
+        <p14:creationId xmlns:p14="http://schemas.microsoft.com/office/powerpoint/2010/main" val="2298872158"/>
+      </p:ext>
+    </p:extLst>
+  </p:cSld>
+  <p:clrMapOvr>
+    <a:masterClrMapping/>
+  </p:clrMapOvr>
+</p:sld>
+</file>
+
 <file path=ppt/theme/theme1.xml><?xml version="1.0" encoding="utf-8"?>
 <a:theme xmlns:a="http://schemas.openxmlformats.org/drawingml/2006/main" name="Citable">
   <a:themeElements>

--- a/docs_balaclava/Presentacion.pptx
+++ b/docs_balaclava/Presentacion.pptx
@@ -21,6 +21,8 @@
     <p:sldId id="262" r:id="rId15"/>
     <p:sldId id="263" r:id="rId16"/>
     <p:sldId id="264" r:id="rId17"/>
+    <p:sldId id="272" r:id="rId18"/>
+    <p:sldId id="273" r:id="rId19"/>
   </p:sldIdLst>
   <p:sldSz cx="12192000" cy="6858000"/>
   <p:notesSz cx="6858000" cy="9144000"/>
@@ -222,7 +224,7 @@
           <a:effectLst/>
           <a:extLst>
             <a:ext uri="{91240B29-F687-4f45-9708-019B960494DF}">
-              <a14:hiddenLine xmlns="" xmlns:a14="http://schemas.microsoft.com/office/drawing/2010/main" w="9525">
+              <a14:hiddenLine xmlns:a14="http://schemas.microsoft.com/office/drawing/2010/main" xmlns="" w="9525">
                 <a:solidFill>
                   <a:srgbClr val="000000"/>
                 </a:solidFill>
@@ -1732,7 +1734,7 @@
           <a:ln/>
           <a:extLst>
             <a:ext uri="{91240B29-F687-4f45-9708-019B960494DF}">
-              <a14:hiddenLine xmlns="" xmlns:a14="http://schemas.microsoft.com/office/drawing/2010/main" w="9525">
+              <a14:hiddenLine xmlns:a14="http://schemas.microsoft.com/office/drawing/2010/main" xmlns="" w="9525">
                 <a:solidFill>
                   <a:srgbClr val="000000"/>
                 </a:solidFill>
@@ -2004,7 +2006,7 @@
           <a:ln/>
           <a:extLst>
             <a:ext uri="{91240B29-F687-4f45-9708-019B960494DF}">
-              <a14:hiddenLine xmlns="" xmlns:a14="http://schemas.microsoft.com/office/drawing/2010/main" w="9525">
+              <a14:hiddenLine xmlns:a14="http://schemas.microsoft.com/office/drawing/2010/main" xmlns="" w="9525">
                 <a:solidFill>
                   <a:srgbClr val="000000"/>
                 </a:solidFill>
@@ -2284,7 +2286,7 @@
           <a:ln/>
           <a:extLst>
             <a:ext uri="{91240B29-F687-4f45-9708-019B960494DF}">
-              <a14:hiddenLine xmlns="" xmlns:a14="http://schemas.microsoft.com/office/drawing/2010/main" w="9525">
+              <a14:hiddenLine xmlns:a14="http://schemas.microsoft.com/office/drawing/2010/main" xmlns="" w="9525">
                 <a:solidFill>
                   <a:srgbClr val="000000"/>
                 </a:solidFill>
@@ -2904,7 +2906,7 @@
           <a:ln/>
           <a:extLst>
             <a:ext uri="{91240B29-F687-4f45-9708-019B960494DF}">
-              <a14:hiddenLine xmlns="" xmlns:a14="http://schemas.microsoft.com/office/drawing/2010/main" w="9525">
+              <a14:hiddenLine xmlns:a14="http://schemas.microsoft.com/office/drawing/2010/main" xmlns="" w="9525">
                 <a:solidFill>
                   <a:srgbClr val="000000"/>
                 </a:solidFill>
@@ -3240,7 +3242,7 @@
           <a:ln/>
           <a:extLst>
             <a:ext uri="{91240B29-F687-4f45-9708-019B960494DF}">
-              <a14:hiddenLine xmlns="" xmlns:a14="http://schemas.microsoft.com/office/drawing/2010/main" w="9525">
+              <a14:hiddenLine xmlns:a14="http://schemas.microsoft.com/office/drawing/2010/main" xmlns="" w="9525">
                 <a:solidFill>
                   <a:srgbClr val="000000"/>
                 </a:solidFill>
@@ -3714,7 +3716,7 @@
           <a:ln/>
           <a:extLst>
             <a:ext uri="{91240B29-F687-4f45-9708-019B960494DF}">
-              <a14:hiddenLine xmlns="" xmlns:a14="http://schemas.microsoft.com/office/drawing/2010/main" w="9525">
+              <a14:hiddenLine xmlns:a14="http://schemas.microsoft.com/office/drawing/2010/main" xmlns="" w="9525">
                 <a:solidFill>
                   <a:srgbClr val="000000"/>
                 </a:solidFill>
@@ -4137,7 +4139,7 @@
           <a:ln/>
           <a:extLst>
             <a:ext uri="{91240B29-F687-4f45-9708-019B960494DF}">
-              <a14:hiddenLine xmlns="" xmlns:a14="http://schemas.microsoft.com/office/drawing/2010/main" w="9525">
+              <a14:hiddenLine xmlns:a14="http://schemas.microsoft.com/office/drawing/2010/main" xmlns="" w="9525">
                 <a:solidFill>
                   <a:srgbClr val="000000"/>
                 </a:solidFill>
@@ -5722,7 +5724,7 @@
           <a:effectLst/>
           <a:extLst>
             <a:ext uri="{91240B29-F687-4f45-9708-019B960494DF}">
-              <a14:hiddenLine xmlns:a14="http://schemas.microsoft.com/office/drawing/2010/main" xmlns:p14="http://schemas.microsoft.com/office/powerpoint/2010/main" xmlns:a16="http://schemas.microsoft.com/office/drawing/2014/main" xmlns="" w="9525">
+              <a14:hiddenLine xmlns="" xmlns:a16="http://schemas.microsoft.com/office/drawing/2014/main" xmlns:p14="http://schemas.microsoft.com/office/powerpoint/2010/main" xmlns:a14="http://schemas.microsoft.com/office/drawing/2010/main" w="9525">
                 <a:solidFill>
                   <a:srgbClr val="000000"/>
                 </a:solidFill>
@@ -6156,7 +6158,7 @@
           <a:effectLst/>
           <a:extLst>
             <a:ext uri="{91240B29-F687-4f45-9708-019B960494DF}">
-              <a14:hiddenLine xmlns:a14="http://schemas.microsoft.com/office/drawing/2010/main" xmlns:p14="http://schemas.microsoft.com/office/powerpoint/2010/main" xmlns:a16="http://schemas.microsoft.com/office/drawing/2014/main" xmlns="" w="9525">
+              <a14:hiddenLine xmlns="" xmlns:a16="http://schemas.microsoft.com/office/drawing/2014/main" xmlns:p14="http://schemas.microsoft.com/office/powerpoint/2010/main" xmlns:a14="http://schemas.microsoft.com/office/drawing/2010/main" w="9525">
                 <a:solidFill>
                   <a:srgbClr val="000000"/>
                 </a:solidFill>
@@ -6588,7 +6590,7 @@
           <a:effectLst/>
           <a:extLst>
             <a:ext uri="{91240B29-F687-4f45-9708-019B960494DF}">
-              <a14:hiddenLine xmlns:a14="http://schemas.microsoft.com/office/drawing/2010/main" xmlns:p14="http://schemas.microsoft.com/office/powerpoint/2010/main" xmlns:a16="http://schemas.microsoft.com/office/drawing/2014/main" xmlns="" w="9525">
+              <a14:hiddenLine xmlns="" xmlns:a16="http://schemas.microsoft.com/office/drawing/2014/main" xmlns:p14="http://schemas.microsoft.com/office/powerpoint/2010/main" xmlns:a14="http://schemas.microsoft.com/office/drawing/2010/main" w="9525">
                 <a:solidFill>
                   <a:srgbClr val="000000"/>
                 </a:solidFill>
@@ -7022,7 +7024,7 @@
           <a:effectLst/>
           <a:extLst>
             <a:ext uri="{91240B29-F687-4f45-9708-019B960494DF}">
-              <a14:hiddenLine xmlns:a14="http://schemas.microsoft.com/office/drawing/2010/main" xmlns:p14="http://schemas.microsoft.com/office/powerpoint/2010/main" xmlns:a16="http://schemas.microsoft.com/office/drawing/2014/main" xmlns="" w="9525">
+              <a14:hiddenLine xmlns="" xmlns:a16="http://schemas.microsoft.com/office/drawing/2014/main" xmlns:p14="http://schemas.microsoft.com/office/powerpoint/2010/main" xmlns:a14="http://schemas.microsoft.com/office/drawing/2010/main" w="9525">
                 <a:solidFill>
                   <a:srgbClr val="000000"/>
                 </a:solidFill>
@@ -7651,7 +7653,7 @@
           <a:effectLst/>
           <a:extLst>
             <a:ext uri="{91240B29-F687-4f45-9708-019B960494DF}">
-              <a14:hiddenLine xmlns:a14="http://schemas.microsoft.com/office/drawing/2010/main" xmlns:p14="http://schemas.microsoft.com/office/powerpoint/2010/main" xmlns:a16="http://schemas.microsoft.com/office/drawing/2014/main" xmlns="" w="9525">
+              <a14:hiddenLine xmlns="" xmlns:a16="http://schemas.microsoft.com/office/drawing/2014/main" xmlns:p14="http://schemas.microsoft.com/office/powerpoint/2010/main" xmlns:a14="http://schemas.microsoft.com/office/drawing/2010/main" w="9525">
                 <a:solidFill>
                   <a:srgbClr val="000000"/>
                 </a:solidFill>
@@ -8284,7 +8286,7 @@
           <a:effectLst/>
           <a:extLst>
             <a:ext uri="{91240B29-F687-4f45-9708-019B960494DF}">
-              <a14:hiddenLine xmlns:a14="http://schemas.microsoft.com/office/drawing/2010/main" xmlns:p14="http://schemas.microsoft.com/office/powerpoint/2010/main" xmlns:a16="http://schemas.microsoft.com/office/drawing/2014/main" xmlns="" w="9525">
+              <a14:hiddenLine xmlns="" xmlns:a16="http://schemas.microsoft.com/office/drawing/2014/main" xmlns:p14="http://schemas.microsoft.com/office/powerpoint/2010/main" xmlns:a14="http://schemas.microsoft.com/office/drawing/2010/main" w="9525">
                 <a:solidFill>
                   <a:srgbClr val="000000"/>
                 </a:solidFill>
@@ -8797,6 +8799,1092 @@
 </p:sld>
 </file>
 
+<file path=ppt/slides/slide17.xml><?xml version="1.0" encoding="utf-8"?>
+<p:sld xmlns:a="http://schemas.openxmlformats.org/drawingml/2006/main" xmlns:r="http://schemas.openxmlformats.org/officeDocument/2006/relationships" xmlns:p="http://schemas.openxmlformats.org/presentationml/2006/main">
+  <p:cSld>
+    <p:bg>
+      <p:bgPr>
+        <a:solidFill>
+          <a:schemeClr val="bg1"/>
+        </a:solidFill>
+        <a:effectLst/>
+      </p:bgPr>
+    </p:bg>
+    <p:spTree>
+      <p:nvGrpSpPr>
+        <p:cNvPr id="1" name=""/>
+        <p:cNvGrpSpPr/>
+        <p:nvPr/>
+      </p:nvGrpSpPr>
+      <p:grpSpPr>
+        <a:xfrm>
+          <a:off x="0" y="0"/>
+          <a:ext cx="0" cy="0"/>
+          <a:chOff x="0" y="0"/>
+          <a:chExt cx="0" cy="0"/>
+        </a:xfrm>
+      </p:grpSpPr>
+      <p:sp>
+        <p:nvSpPr>
+          <p:cNvPr id="71" name="Freeform: Shape 70">
+            <a:extLst>
+              <a:ext uri="{FF2B5EF4-FFF2-40B4-BE49-F238E27FC236}">
+                <a16:creationId xmlns:a16="http://schemas.microsoft.com/office/drawing/2014/main" id="{9610F818-219E-491F-887F-B078103BA2B4}"/>
+              </a:ext>
+              <a:ext uri="{C183D7F6-B498-43B3-948B-1728B52AA6E4}">
+                <adec:decorative xmlns:adec="http://schemas.microsoft.com/office/drawing/2017/decorative" val="1"/>
+              </a:ext>
+            </a:extLst>
+          </p:cNvPr>
+          <p:cNvSpPr>
+            <a:spLocks noGrp="1" noRot="1" noChangeAspect="1" noMove="1" noResize="1" noEditPoints="1" noAdjustHandles="1" noChangeArrowheads="1" noChangeShapeType="1" noTextEdit="1"/>
+          </p:cNvSpPr>
+          <p:nvPr>
+            <p:extLst>
+              <p:ext uri="{386F3935-93C4-4BCD-93E2-E3B085C9AB24}">
+                <p16:designElem xmlns:p16="http://schemas.microsoft.com/office/powerpoint/2015/main" val="1"/>
+              </p:ext>
+            </p:extLst>
+          </p:nvPr>
+        </p:nvSpPr>
+        <p:spPr>
+          <a:xfrm>
+            <a:off x="-2" y="3739895"/>
+            <a:ext cx="12192000" cy="3118104"/>
+          </a:xfrm>
+          <a:custGeom>
+            <a:avLst/>
+            <a:gdLst>
+              <a:gd name="connsiteX0" fmla="*/ 0 w 12192000"/>
+              <a:gd name="connsiteY0" fmla="*/ 0 h 3118104"/>
+              <a:gd name="connsiteX1" fmla="*/ 3676329 w 12192000"/>
+              <a:gd name="connsiteY1" fmla="*/ 0 h 3118104"/>
+              <a:gd name="connsiteX2" fmla="*/ 5595257 w 12192000"/>
+              <a:gd name="connsiteY2" fmla="*/ 0 h 3118104"/>
+              <a:gd name="connsiteX3" fmla="*/ 5672349 w 12192000"/>
+              <a:gd name="connsiteY3" fmla="*/ 0 h 3118104"/>
+              <a:gd name="connsiteX4" fmla="*/ 6053347 w 12192000"/>
+              <a:gd name="connsiteY4" fmla="*/ 263783 h 3118104"/>
+              <a:gd name="connsiteX5" fmla="*/ 6061813 w 12192000"/>
+              <a:gd name="connsiteY5" fmla="*/ 266713 h 3118104"/>
+              <a:gd name="connsiteX6" fmla="*/ 6074513 w 12192000"/>
+              <a:gd name="connsiteY6" fmla="*/ 271110 h 3118104"/>
+              <a:gd name="connsiteX7" fmla="*/ 6087212 w 12192000"/>
+              <a:gd name="connsiteY7" fmla="*/ 275506 h 3118104"/>
+              <a:gd name="connsiteX8" fmla="*/ 6097797 w 12192000"/>
+              <a:gd name="connsiteY8" fmla="*/ 275506 h 3118104"/>
+              <a:gd name="connsiteX9" fmla="*/ 6110496 w 12192000"/>
+              <a:gd name="connsiteY9" fmla="*/ 275506 h 3118104"/>
+              <a:gd name="connsiteX10" fmla="*/ 6121079 w 12192000"/>
+              <a:gd name="connsiteY10" fmla="*/ 271110 h 3118104"/>
+              <a:gd name="connsiteX11" fmla="*/ 6133779 w 12192000"/>
+              <a:gd name="connsiteY11" fmla="*/ 266713 h 3118104"/>
+              <a:gd name="connsiteX12" fmla="*/ 6142246 w 12192000"/>
+              <a:gd name="connsiteY12" fmla="*/ 263783 h 3118104"/>
+              <a:gd name="connsiteX13" fmla="*/ 6523247 w 12192000"/>
+              <a:gd name="connsiteY13" fmla="*/ 0 h 3118104"/>
+              <a:gd name="connsiteX14" fmla="*/ 6596743 w 12192000"/>
+              <a:gd name="connsiteY14" fmla="*/ 0 h 3118104"/>
+              <a:gd name="connsiteX15" fmla="*/ 12186115 w 12192000"/>
+              <a:gd name="connsiteY15" fmla="*/ 0 h 3118104"/>
+              <a:gd name="connsiteX16" fmla="*/ 12192000 w 12192000"/>
+              <a:gd name="connsiteY16" fmla="*/ 0 h 3118104"/>
+              <a:gd name="connsiteX17" fmla="*/ 12192000 w 12192000"/>
+              <a:gd name="connsiteY17" fmla="*/ 3118104 h 3118104"/>
+              <a:gd name="connsiteX18" fmla="*/ 7728858 w 12192000"/>
+              <a:gd name="connsiteY18" fmla="*/ 3118104 h 3118104"/>
+              <a:gd name="connsiteX19" fmla="*/ 6596743 w 12192000"/>
+              <a:gd name="connsiteY19" fmla="*/ 3118104 h 3118104"/>
+              <a:gd name="connsiteX20" fmla="*/ 5595257 w 12192000"/>
+              <a:gd name="connsiteY20" fmla="*/ 3118104 h 3118104"/>
+              <a:gd name="connsiteX21" fmla="*/ 2906487 w 12192000"/>
+              <a:gd name="connsiteY21" fmla="*/ 3118104 h 3118104"/>
+              <a:gd name="connsiteX22" fmla="*/ 0 w 12192000"/>
+              <a:gd name="connsiteY22" fmla="*/ 3118104 h 3118104"/>
+            </a:gdLst>
+            <a:ahLst/>
+            <a:cxnLst>
+              <a:cxn ang="0">
+                <a:pos x="connsiteX0" y="connsiteY0"/>
+              </a:cxn>
+              <a:cxn ang="0">
+                <a:pos x="connsiteX1" y="connsiteY1"/>
+              </a:cxn>
+              <a:cxn ang="0">
+                <a:pos x="connsiteX2" y="connsiteY2"/>
+              </a:cxn>
+              <a:cxn ang="0">
+                <a:pos x="connsiteX3" y="connsiteY3"/>
+              </a:cxn>
+              <a:cxn ang="0">
+                <a:pos x="connsiteX4" y="connsiteY4"/>
+              </a:cxn>
+              <a:cxn ang="0">
+                <a:pos x="connsiteX5" y="connsiteY5"/>
+              </a:cxn>
+              <a:cxn ang="0">
+                <a:pos x="connsiteX6" y="connsiteY6"/>
+              </a:cxn>
+              <a:cxn ang="0">
+                <a:pos x="connsiteX7" y="connsiteY7"/>
+              </a:cxn>
+              <a:cxn ang="0">
+                <a:pos x="connsiteX8" y="connsiteY8"/>
+              </a:cxn>
+              <a:cxn ang="0">
+                <a:pos x="connsiteX9" y="connsiteY9"/>
+              </a:cxn>
+              <a:cxn ang="0">
+                <a:pos x="connsiteX10" y="connsiteY10"/>
+              </a:cxn>
+              <a:cxn ang="0">
+                <a:pos x="connsiteX11" y="connsiteY11"/>
+              </a:cxn>
+              <a:cxn ang="0">
+                <a:pos x="connsiteX12" y="connsiteY12"/>
+              </a:cxn>
+              <a:cxn ang="0">
+                <a:pos x="connsiteX13" y="connsiteY13"/>
+              </a:cxn>
+              <a:cxn ang="0">
+                <a:pos x="connsiteX14" y="connsiteY14"/>
+              </a:cxn>
+              <a:cxn ang="0">
+                <a:pos x="connsiteX15" y="connsiteY15"/>
+              </a:cxn>
+              <a:cxn ang="0">
+                <a:pos x="connsiteX16" y="connsiteY16"/>
+              </a:cxn>
+              <a:cxn ang="0">
+                <a:pos x="connsiteX17" y="connsiteY17"/>
+              </a:cxn>
+              <a:cxn ang="0">
+                <a:pos x="connsiteX18" y="connsiteY18"/>
+              </a:cxn>
+              <a:cxn ang="0">
+                <a:pos x="connsiteX19" y="connsiteY19"/>
+              </a:cxn>
+              <a:cxn ang="0">
+                <a:pos x="connsiteX20" y="connsiteY20"/>
+              </a:cxn>
+              <a:cxn ang="0">
+                <a:pos x="connsiteX21" y="connsiteY21"/>
+              </a:cxn>
+              <a:cxn ang="0">
+                <a:pos x="connsiteX22" y="connsiteY22"/>
+              </a:cxn>
+            </a:cxnLst>
+            <a:rect l="l" t="t" r="r" b="b"/>
+            <a:pathLst>
+              <a:path w="12192000" h="3118104">
+                <a:moveTo>
+                  <a:pt x="0" y="0"/>
+                </a:moveTo>
+                <a:lnTo>
+                  <a:pt x="3676329" y="0"/>
+                </a:lnTo>
+                <a:lnTo>
+                  <a:pt x="5595257" y="0"/>
+                </a:lnTo>
+                <a:lnTo>
+                  <a:pt x="5672349" y="0"/>
+                </a:lnTo>
+                <a:lnTo>
+                  <a:pt x="6053347" y="263783"/>
+                </a:lnTo>
+                <a:lnTo>
+                  <a:pt x="6061813" y="266713"/>
+                </a:lnTo>
+                <a:lnTo>
+                  <a:pt x="6074513" y="271110"/>
+                </a:lnTo>
+                <a:lnTo>
+                  <a:pt x="6087212" y="275506"/>
+                </a:lnTo>
+                <a:lnTo>
+                  <a:pt x="6097797" y="275506"/>
+                </a:lnTo>
+                <a:lnTo>
+                  <a:pt x="6110496" y="275506"/>
+                </a:lnTo>
+                <a:lnTo>
+                  <a:pt x="6121079" y="271110"/>
+                </a:lnTo>
+                <a:lnTo>
+                  <a:pt x="6133779" y="266713"/>
+                </a:lnTo>
+                <a:lnTo>
+                  <a:pt x="6142246" y="263783"/>
+                </a:lnTo>
+                <a:lnTo>
+                  <a:pt x="6523247" y="0"/>
+                </a:lnTo>
+                <a:lnTo>
+                  <a:pt x="6596743" y="0"/>
+                </a:lnTo>
+                <a:lnTo>
+                  <a:pt x="12186115" y="0"/>
+                </a:lnTo>
+                <a:lnTo>
+                  <a:pt x="12192000" y="0"/>
+                </a:lnTo>
+                <a:lnTo>
+                  <a:pt x="12192000" y="3118104"/>
+                </a:lnTo>
+                <a:lnTo>
+                  <a:pt x="7728858" y="3118104"/>
+                </a:lnTo>
+                <a:lnTo>
+                  <a:pt x="6596743" y="3118104"/>
+                </a:lnTo>
+                <a:lnTo>
+                  <a:pt x="5595257" y="3118104"/>
+                </a:lnTo>
+                <a:lnTo>
+                  <a:pt x="2906487" y="3118104"/>
+                </a:lnTo>
+                <a:lnTo>
+                  <a:pt x="0" y="3118104"/>
+                </a:lnTo>
+                <a:close/>
+              </a:path>
+            </a:pathLst>
+          </a:custGeom>
+          <a:solidFill>
+            <a:srgbClr val="212121"/>
+          </a:solidFill>
+          <a:ln>
+            <a:noFill/>
+          </a:ln>
+        </p:spPr>
+        <p:style>
+          <a:lnRef idx="2">
+            <a:schemeClr val="accent1">
+              <a:shade val="50000"/>
+            </a:schemeClr>
+          </a:lnRef>
+          <a:fillRef idx="1">
+            <a:schemeClr val="accent1"/>
+          </a:fillRef>
+          <a:effectRef idx="0">
+            <a:schemeClr val="accent1"/>
+          </a:effectRef>
+          <a:fontRef idx="minor">
+            <a:schemeClr val="lt1"/>
+          </a:fontRef>
+        </p:style>
+        <p:txBody>
+          <a:bodyPr rtlCol="0" anchor="ctr"/>
+          <a:lstStyle/>
+          <a:p>
+            <a:pPr algn="ctr"/>
+            <a:endParaRPr lang="en-US"/>
+          </a:p>
+        </p:txBody>
+      </p:sp>
+      <p:sp>
+        <p:nvSpPr>
+          <p:cNvPr id="2" name="Título 1">
+            <a:extLst>
+              <a:ext uri="{FF2B5EF4-FFF2-40B4-BE49-F238E27FC236}">
+                <a16:creationId xmlns:a16="http://schemas.microsoft.com/office/drawing/2014/main" id="{A21792DE-C706-489A-914E-FA40B497BC84}"/>
+              </a:ext>
+            </a:extLst>
+          </p:cNvPr>
+          <p:cNvSpPr>
+            <a:spLocks noGrp="1"/>
+          </p:cNvSpPr>
+          <p:nvPr>
+            <p:ph type="ctrTitle"/>
+          </p:nvPr>
+        </p:nvSpPr>
+        <p:spPr>
+          <a:xfrm>
+            <a:off x="810001" y="4080386"/>
+            <a:ext cx="10572000" cy="1388741"/>
+          </a:xfrm>
+        </p:spPr>
+        <p:txBody>
+          <a:bodyPr>
+            <a:normAutofit/>
+          </a:bodyPr>
+          <a:lstStyle/>
+          <a:p>
+            <a:pPr algn="ctr"/>
+            <a:r>
+              <a:rPr lang="es-ES" dirty="0">
+                <a:solidFill>
+                  <a:srgbClr val="FFFFFF"/>
+                </a:solidFill>
+              </a:rPr>
+              <a:t>Juego</a:t>
+            </a:r>
+          </a:p>
+        </p:txBody>
+      </p:sp>
+      <p:sp>
+        <p:nvSpPr>
+          <p:cNvPr id="73" name="Rounded Rectangle 16">
+            <a:extLst>
+              <a:ext uri="{FF2B5EF4-FFF2-40B4-BE49-F238E27FC236}">
+                <a16:creationId xmlns:a16="http://schemas.microsoft.com/office/drawing/2014/main" id="{5A086AAD-1108-41EB-A7C9-5E22CA942EB2}"/>
+              </a:ext>
+              <a:ext uri="{C183D7F6-B498-43B3-948B-1728B52AA6E4}">
+                <adec:decorative xmlns:adec="http://schemas.microsoft.com/office/drawing/2017/decorative" val="1"/>
+              </a:ext>
+            </a:extLst>
+          </p:cNvPr>
+          <p:cNvSpPr>
+            <a:spLocks noGrp="1" noRot="1" noChangeAspect="1" noMove="1" noResize="1" noEditPoints="1" noAdjustHandles="1" noChangeArrowheads="1" noChangeShapeType="1" noTextEdit="1"/>
+          </p:cNvSpPr>
+          <p:nvPr>
+            <p:extLst>
+              <p:ext uri="{386F3935-93C4-4BCD-93E2-E3B085C9AB24}">
+                <p16:designElem xmlns:p16="http://schemas.microsoft.com/office/powerpoint/2015/main" val="1"/>
+              </p:ext>
+            </p:extLst>
+          </p:nvPr>
+        </p:nvSpPr>
+        <p:spPr>
+          <a:xfrm>
+            <a:off x="2210472" y="643464"/>
+            <a:ext cx="7757804" cy="2817491"/>
+          </a:xfrm>
+          <a:prstGeom prst="roundRect">
+            <a:avLst>
+              <a:gd name="adj" fmla="val 3513"/>
+            </a:avLst>
+          </a:prstGeom>
+          <a:solidFill>
+            <a:schemeClr val="bg1"/>
+          </a:solidFill>
+          <a:ln>
+            <a:solidFill>
+              <a:schemeClr val="accent1">
+                <a:lumMod val="75000"/>
+              </a:schemeClr>
+            </a:solidFill>
+          </a:ln>
+          <a:effectLst/>
+        </p:spPr>
+        <p:style>
+          <a:lnRef idx="2">
+            <a:schemeClr val="accent1">
+              <a:shade val="50000"/>
+            </a:schemeClr>
+          </a:lnRef>
+          <a:fillRef idx="1">
+            <a:schemeClr val="accent1"/>
+          </a:fillRef>
+          <a:effectRef idx="0">
+            <a:schemeClr val="accent1"/>
+          </a:effectRef>
+          <a:fontRef idx="minor">
+            <a:schemeClr val="lt1"/>
+          </a:fontRef>
+        </p:style>
+        <p:txBody>
+          <a:bodyPr rtlCol="0" anchor="ctr"/>
+          <a:lstStyle/>
+          <a:p>
+            <a:pPr algn="ctr"/>
+            <a:endParaRPr lang="en-US"/>
+          </a:p>
+        </p:txBody>
+      </p:sp>
+      <p:pic>
+        <p:nvPicPr>
+          <p:cNvPr id="4" name="Imagen 3">
+            <a:extLst>
+              <a:ext uri="{FF2B5EF4-FFF2-40B4-BE49-F238E27FC236}">
+                <a16:creationId xmlns:a16="http://schemas.microsoft.com/office/drawing/2014/main" id="{F5C3CD19-E968-4063-B89F-F353859673B1}"/>
+              </a:ext>
+            </a:extLst>
+          </p:cNvPr>
+          <p:cNvPicPr>
+            <a:picLocks noChangeAspect="1"/>
+          </p:cNvPicPr>
+          <p:nvPr/>
+        </p:nvPicPr>
+        <p:blipFill>
+          <a:blip r:embed="rId2"/>
+          <a:stretch>
+            <a:fillRect/>
+          </a:stretch>
+        </p:blipFill>
+        <p:spPr>
+          <a:xfrm>
+            <a:off x="2210472" y="643464"/>
+            <a:ext cx="7751006" cy="2817491"/>
+          </a:xfrm>
+          <a:prstGeom prst="rect">
+            <a:avLst/>
+          </a:prstGeom>
+        </p:spPr>
+      </p:pic>
+    </p:spTree>
+    <p:extLst>
+      <p:ext uri="{BB962C8B-B14F-4D97-AF65-F5344CB8AC3E}">
+        <p14:creationId xmlns:p14="http://schemas.microsoft.com/office/powerpoint/2010/main" val="134936673"/>
+      </p:ext>
+    </p:extLst>
+  </p:cSld>
+  <p:clrMapOvr>
+    <a:overrideClrMapping bg1="lt1" tx1="dk1" bg2="lt2" tx2="dk2" accent1="accent1" accent2="accent2" accent3="accent3" accent4="accent4" accent5="accent5" accent6="accent6" hlink="hlink" folHlink="folHlink"/>
+  </p:clrMapOvr>
+</p:sld>
+</file>
+
+<file path=ppt/slides/slide18.xml><?xml version="1.0" encoding="utf-8"?>
+<p:sld xmlns:a="http://schemas.openxmlformats.org/drawingml/2006/main" xmlns:r="http://schemas.openxmlformats.org/officeDocument/2006/relationships" xmlns:p="http://schemas.openxmlformats.org/presentationml/2006/main">
+  <p:cSld>
+    <p:bg>
+      <p:bgPr>
+        <a:solidFill>
+          <a:schemeClr val="bg2"/>
+        </a:solidFill>
+        <a:effectLst/>
+      </p:bgPr>
+    </p:bg>
+    <p:spTree>
+      <p:nvGrpSpPr>
+        <p:cNvPr id="1" name=""/>
+        <p:cNvGrpSpPr/>
+        <p:nvPr/>
+      </p:nvGrpSpPr>
+      <p:grpSpPr>
+        <a:xfrm>
+          <a:off x="0" y="0"/>
+          <a:ext cx="0" cy="0"/>
+          <a:chOff x="0" y="0"/>
+          <a:chExt cx="0" cy="0"/>
+        </a:xfrm>
+      </p:grpSpPr>
+      <p:sp>
+        <p:nvSpPr>
+          <p:cNvPr id="12" name="Freeform 6">
+            <a:extLst>
+              <a:ext uri="{FF2B5EF4-FFF2-40B4-BE49-F238E27FC236}">
+                <a16:creationId xmlns:a16="http://schemas.microsoft.com/office/drawing/2014/main" id="{11114F18-D12D-43C6-895F-5BA92C290CC1}"/>
+              </a:ext>
+              <a:ext uri="{C183D7F6-B498-43B3-948B-1728B52AA6E4}">
+                <adec:decorative xmlns:adec="http://schemas.microsoft.com/office/drawing/2017/decorative" val="1"/>
+              </a:ext>
+            </a:extLst>
+          </p:cNvPr>
+          <p:cNvSpPr>
+            <a:spLocks noGrp="1" noRot="1" noChangeAspect="1" noMove="1" noResize="1" noEditPoints="1" noAdjustHandles="1" noChangeArrowheads="1" noChangeShapeType="1" noTextEdit="1"/>
+          </p:cNvSpPr>
+          <p:nvPr>
+            <p:extLst>
+              <p:ext uri="{386F3935-93C4-4BCD-93E2-E3B085C9AB24}">
+                <p16:designElem xmlns:p16="http://schemas.microsoft.com/office/powerpoint/2015/main" val="1"/>
+              </p:ext>
+            </p:extLst>
+          </p:nvPr>
+        </p:nvSpPr>
+        <p:spPr bwMode="auto">
+          <a:xfrm>
+            <a:off x="0" y="-3175"/>
+            <a:ext cx="12192000" cy="5203825"/>
+          </a:xfrm>
+          <a:custGeom>
+            <a:avLst/>
+            <a:gdLst/>
+            <a:ahLst/>
+            <a:cxnLst/>
+            <a:rect l="0" t="0" r="r" b="b"/>
+            <a:pathLst>
+              <a:path w="5760" h="3278">
+                <a:moveTo>
+                  <a:pt x="5760" y="0"/>
+                </a:moveTo>
+                <a:lnTo>
+                  <a:pt x="0" y="0"/>
+                </a:lnTo>
+                <a:lnTo>
+                  <a:pt x="0" y="3090"/>
+                </a:lnTo>
+                <a:lnTo>
+                  <a:pt x="943" y="3090"/>
+                </a:lnTo>
+                <a:lnTo>
+                  <a:pt x="1123" y="3270"/>
+                </a:lnTo>
+                <a:lnTo>
+                  <a:pt x="1123" y="3270"/>
+                </a:lnTo>
+                <a:lnTo>
+                  <a:pt x="1127" y="3272"/>
+                </a:lnTo>
+                <a:lnTo>
+                  <a:pt x="1133" y="3275"/>
+                </a:lnTo>
+                <a:lnTo>
+                  <a:pt x="1139" y="3278"/>
+                </a:lnTo>
+                <a:lnTo>
+                  <a:pt x="1144" y="3278"/>
+                </a:lnTo>
+                <a:lnTo>
+                  <a:pt x="1150" y="3278"/>
+                </a:lnTo>
+                <a:lnTo>
+                  <a:pt x="1155" y="3275"/>
+                </a:lnTo>
+                <a:lnTo>
+                  <a:pt x="1161" y="3272"/>
+                </a:lnTo>
+                <a:lnTo>
+                  <a:pt x="1165" y="3270"/>
+                </a:lnTo>
+                <a:lnTo>
+                  <a:pt x="1345" y="3090"/>
+                </a:lnTo>
+                <a:lnTo>
+                  <a:pt x="5760" y="3090"/>
+                </a:lnTo>
+                <a:lnTo>
+                  <a:pt x="5760" y="0"/>
+                </a:lnTo>
+                <a:close/>
+              </a:path>
+            </a:pathLst>
+          </a:custGeom>
+          <a:ln/>
+          <a:effectLst/>
+          <a:extLst>
+            <a:ext uri="{91240B29-F687-4f45-9708-019B960494DF}">
+              <a14:hiddenLine xmlns="" xmlns:a16="http://schemas.microsoft.com/office/drawing/2014/main" xmlns:p14="http://schemas.microsoft.com/office/powerpoint/2010/main" xmlns:a14="http://schemas.microsoft.com/office/drawing/2010/main" w="9525">
+                <a:solidFill>
+                  <a:srgbClr val="000000"/>
+                </a:solidFill>
+                <a:round/>
+                <a:headEnd/>
+                <a:tailEnd/>
+              </a14:hiddenLine>
+            </a:ext>
+          </a:extLst>
+        </p:spPr>
+        <p:style>
+          <a:lnRef idx="1">
+            <a:schemeClr val="accent1"/>
+          </a:lnRef>
+          <a:fillRef idx="3">
+            <a:schemeClr val="accent1"/>
+          </a:fillRef>
+          <a:effectRef idx="2">
+            <a:schemeClr val="accent1"/>
+          </a:effectRef>
+          <a:fontRef idx="minor">
+            <a:schemeClr val="lt1"/>
+          </a:fontRef>
+        </p:style>
+      </p:sp>
+      <p:grpSp>
+        <p:nvGrpSpPr>
+          <p:cNvPr id="14" name="Group 13">
+            <a:extLst>
+              <a:ext uri="{FF2B5EF4-FFF2-40B4-BE49-F238E27FC236}">
+                <a16:creationId xmlns:a16="http://schemas.microsoft.com/office/drawing/2014/main" id="{DE2DD4A6-DC96-421E-9E1C-7CD0D26814F8}"/>
+              </a:ext>
+              <a:ext uri="{C183D7F6-B498-43B3-948B-1728B52AA6E4}">
+                <adec:decorative xmlns:adec="http://schemas.microsoft.com/office/drawing/2017/decorative" val="1"/>
+              </a:ext>
+            </a:extLst>
+          </p:cNvPr>
+          <p:cNvGrpSpPr>
+            <a:grpSpLocks noGrp="1" noUngrp="1" noRot="1" noChangeAspect="1" noMove="1" noResize="1"/>
+          </p:cNvGrpSpPr>
+          <p:nvPr>
+            <p:extLst>
+              <p:ext uri="{386F3935-93C4-4BCD-93E2-E3B085C9AB24}">
+                <p16:designElem xmlns:p16="http://schemas.microsoft.com/office/powerpoint/2015/main" val="1"/>
+              </p:ext>
+            </p:extLst>
+          </p:nvPr>
+        </p:nvGrpSpPr>
+        <p:grpSpPr bwMode="white">
+          <a:xfrm>
+            <a:off x="0" y="4525094"/>
+            <a:ext cx="12203151" cy="2344057"/>
+            <a:chOff x="0" y="4525094"/>
+            <a:chExt cx="12203151" cy="2344057"/>
+          </a:xfrm>
+        </p:grpSpPr>
+        <p:sp>
+          <p:nvSpPr>
+            <p:cNvPr id="15" name="Freeform 9">
+              <a:extLst>
+                <a:ext uri="{FF2B5EF4-FFF2-40B4-BE49-F238E27FC236}">
+                  <a16:creationId xmlns:a16="http://schemas.microsoft.com/office/drawing/2014/main" id="{5E6BB74D-E85C-4CCB-90CE-024600640500}"/>
+                </a:ext>
+                <a:ext uri="{C183D7F6-B498-43B3-948B-1728B52AA6E4}">
+                  <adec:decorative xmlns:adec="http://schemas.microsoft.com/office/drawing/2017/decorative" val="1"/>
+                </a:ext>
+              </a:extLst>
+            </p:cNvPr>
+            <p:cNvSpPr/>
+            <p:nvPr>
+              <p:extLst>
+                <p:ext uri="{386F3935-93C4-4BCD-93E2-E3B085C9AB24}">
+                  <p16:designElem xmlns:p16="http://schemas.microsoft.com/office/powerpoint/2015/main" val="1"/>
+                </p:ext>
+              </p:extLst>
+            </p:nvPr>
+          </p:nvSpPr>
+          <p:spPr bwMode="white">
+            <a:xfrm>
+              <a:off x="0" y="4525094"/>
+              <a:ext cx="12192000" cy="2332906"/>
+            </a:xfrm>
+            <a:custGeom>
+              <a:avLst/>
+              <a:gdLst>
+                <a:gd name="connsiteX0" fmla="*/ 0 w 12192000"/>
+                <a:gd name="connsiteY0" fmla="*/ 0 h 2332906"/>
+                <a:gd name="connsiteX1" fmla="*/ 1996017 w 12192000"/>
+                <a:gd name="connsiteY1" fmla="*/ 0 h 2332906"/>
+                <a:gd name="connsiteX2" fmla="*/ 2377017 w 12192000"/>
+                <a:gd name="connsiteY2" fmla="*/ 263783 h 2332906"/>
+                <a:gd name="connsiteX3" fmla="*/ 2385484 w 12192000"/>
+                <a:gd name="connsiteY3" fmla="*/ 266713 h 2332906"/>
+                <a:gd name="connsiteX4" fmla="*/ 2398184 w 12192000"/>
+                <a:gd name="connsiteY4" fmla="*/ 271110 h 2332906"/>
+                <a:gd name="connsiteX5" fmla="*/ 2410883 w 12192000"/>
+                <a:gd name="connsiteY5" fmla="*/ 275506 h 2332906"/>
+                <a:gd name="connsiteX6" fmla="*/ 2421467 w 12192000"/>
+                <a:gd name="connsiteY6" fmla="*/ 275506 h 2332906"/>
+                <a:gd name="connsiteX7" fmla="*/ 2434167 w 12192000"/>
+                <a:gd name="connsiteY7" fmla="*/ 275506 h 2332906"/>
+                <a:gd name="connsiteX8" fmla="*/ 2444750 w 12192000"/>
+                <a:gd name="connsiteY8" fmla="*/ 271110 h 2332906"/>
+                <a:gd name="connsiteX9" fmla="*/ 2457450 w 12192000"/>
+                <a:gd name="connsiteY9" fmla="*/ 266713 h 2332906"/>
+                <a:gd name="connsiteX10" fmla="*/ 2465917 w 12192000"/>
+                <a:gd name="connsiteY10" fmla="*/ 263783 h 2332906"/>
+                <a:gd name="connsiteX11" fmla="*/ 2846917 w 12192000"/>
+                <a:gd name="connsiteY11" fmla="*/ 0 h 2332906"/>
+                <a:gd name="connsiteX12" fmla="*/ 12192000 w 12192000"/>
+                <a:gd name="connsiteY12" fmla="*/ 0 h 2332906"/>
+                <a:gd name="connsiteX13" fmla="*/ 12192000 w 12192000"/>
+                <a:gd name="connsiteY13" fmla="*/ 2332906 h 2332906"/>
+                <a:gd name="connsiteX14" fmla="*/ 0 w 12192000"/>
+                <a:gd name="connsiteY14" fmla="*/ 2332906 h 2332906"/>
+              </a:gdLst>
+              <a:ahLst/>
+              <a:cxnLst>
+                <a:cxn ang="0">
+                  <a:pos x="connsiteX0" y="connsiteY0"/>
+                </a:cxn>
+                <a:cxn ang="0">
+                  <a:pos x="connsiteX1" y="connsiteY1"/>
+                </a:cxn>
+                <a:cxn ang="0">
+                  <a:pos x="connsiteX2" y="connsiteY2"/>
+                </a:cxn>
+                <a:cxn ang="0">
+                  <a:pos x="connsiteX3" y="connsiteY3"/>
+                </a:cxn>
+                <a:cxn ang="0">
+                  <a:pos x="connsiteX4" y="connsiteY4"/>
+                </a:cxn>
+                <a:cxn ang="0">
+                  <a:pos x="connsiteX5" y="connsiteY5"/>
+                </a:cxn>
+                <a:cxn ang="0">
+                  <a:pos x="connsiteX6" y="connsiteY6"/>
+                </a:cxn>
+                <a:cxn ang="0">
+                  <a:pos x="connsiteX7" y="connsiteY7"/>
+                </a:cxn>
+                <a:cxn ang="0">
+                  <a:pos x="connsiteX8" y="connsiteY8"/>
+                </a:cxn>
+                <a:cxn ang="0">
+                  <a:pos x="connsiteX9" y="connsiteY9"/>
+                </a:cxn>
+                <a:cxn ang="0">
+                  <a:pos x="connsiteX10" y="connsiteY10"/>
+                </a:cxn>
+                <a:cxn ang="0">
+                  <a:pos x="connsiteX11" y="connsiteY11"/>
+                </a:cxn>
+                <a:cxn ang="0">
+                  <a:pos x="connsiteX12" y="connsiteY12"/>
+                </a:cxn>
+                <a:cxn ang="0">
+                  <a:pos x="connsiteX13" y="connsiteY13"/>
+                </a:cxn>
+                <a:cxn ang="0">
+                  <a:pos x="connsiteX14" y="connsiteY14"/>
+                </a:cxn>
+              </a:cxnLst>
+              <a:rect l="l" t="t" r="r" b="b"/>
+              <a:pathLst>
+                <a:path w="12192000" h="2332906">
+                  <a:moveTo>
+                    <a:pt x="0" y="0"/>
+                  </a:moveTo>
+                  <a:lnTo>
+                    <a:pt x="1996017" y="0"/>
+                  </a:lnTo>
+                  <a:lnTo>
+                    <a:pt x="2377017" y="263783"/>
+                  </a:lnTo>
+                  <a:lnTo>
+                    <a:pt x="2385484" y="266713"/>
+                  </a:lnTo>
+                  <a:lnTo>
+                    <a:pt x="2398184" y="271110"/>
+                  </a:lnTo>
+                  <a:lnTo>
+                    <a:pt x="2410883" y="275506"/>
+                  </a:lnTo>
+                  <a:lnTo>
+                    <a:pt x="2421467" y="275506"/>
+                  </a:lnTo>
+                  <a:lnTo>
+                    <a:pt x="2434167" y="275506"/>
+                  </a:lnTo>
+                  <a:lnTo>
+                    <a:pt x="2444750" y="271110"/>
+                  </a:lnTo>
+                  <a:lnTo>
+                    <a:pt x="2457450" y="266713"/>
+                  </a:lnTo>
+                  <a:lnTo>
+                    <a:pt x="2465917" y="263783"/>
+                  </a:lnTo>
+                  <a:lnTo>
+                    <a:pt x="2846917" y="0"/>
+                  </a:lnTo>
+                  <a:lnTo>
+                    <a:pt x="12192000" y="0"/>
+                  </a:lnTo>
+                  <a:lnTo>
+                    <a:pt x="12192000" y="2332906"/>
+                  </a:lnTo>
+                  <a:lnTo>
+                    <a:pt x="0" y="2332906"/>
+                  </a:lnTo>
+                  <a:close/>
+                </a:path>
+              </a:pathLst>
+            </a:custGeom>
+            <a:solidFill>
+              <a:schemeClr val="bg1">
+                <a:lumMod val="85000"/>
+                <a:lumOff val="15000"/>
+              </a:schemeClr>
+            </a:solidFill>
+            <a:ln>
+              <a:solidFill>
+                <a:schemeClr val="accent1"/>
+              </a:solidFill>
+            </a:ln>
+          </p:spPr>
+          <p:style>
+            <a:lnRef idx="2">
+              <a:schemeClr val="accent1">
+                <a:shade val="50000"/>
+              </a:schemeClr>
+            </a:lnRef>
+            <a:fillRef idx="1">
+              <a:schemeClr val="accent1"/>
+            </a:fillRef>
+            <a:effectRef idx="0">
+              <a:schemeClr val="accent1"/>
+            </a:effectRef>
+            <a:fontRef idx="minor">
+              <a:schemeClr val="lt1"/>
+            </a:fontRef>
+          </p:style>
+          <p:txBody>
+            <a:bodyPr rtlCol="0" anchor="ctr"/>
+            <a:lstStyle/>
+            <a:p>
+              <a:pPr algn="ctr"/>
+              <a:endParaRPr lang="en-US"/>
+            </a:p>
+          </p:txBody>
+        </p:sp>
+        <p:sp>
+          <p:nvSpPr>
+            <p:cNvPr id="16" name="Isosceles Triangle 15">
+              <a:extLst>
+                <a:ext uri="{FF2B5EF4-FFF2-40B4-BE49-F238E27FC236}">
+                  <a16:creationId xmlns:a16="http://schemas.microsoft.com/office/drawing/2014/main" id="{52808592-600C-4349-9F27-EC36C0BA4C3C}"/>
+                </a:ext>
+                <a:ext uri="{C183D7F6-B498-43B3-948B-1728B52AA6E4}">
+                  <adec:decorative xmlns:adec="http://schemas.microsoft.com/office/drawing/2017/decorative" val="1"/>
+                </a:ext>
+              </a:extLst>
+            </p:cNvPr>
+            <p:cNvSpPr/>
+            <p:nvPr>
+              <p:extLst>
+                <p:ext uri="{386F3935-93C4-4BCD-93E2-E3B085C9AB24}">
+                  <p16:designElem xmlns:p16="http://schemas.microsoft.com/office/powerpoint/2015/main" val="1"/>
+                </p:ext>
+              </p:extLst>
+            </p:nvPr>
+          </p:nvSpPr>
+          <p:spPr bwMode="white">
+            <a:xfrm flipH="1">
+              <a:off x="3820" y="4536245"/>
+              <a:ext cx="5660999" cy="2332906"/>
+            </a:xfrm>
+            <a:prstGeom prst="triangle">
+              <a:avLst>
+                <a:gd name="adj" fmla="val 100000"/>
+              </a:avLst>
+            </a:prstGeom>
+            <a:solidFill>
+              <a:schemeClr val="bg1">
+                <a:lumMod val="85000"/>
+                <a:lumOff val="15000"/>
+              </a:schemeClr>
+            </a:solidFill>
+            <a:ln>
+              <a:noFill/>
+            </a:ln>
+          </p:spPr>
+          <p:style>
+            <a:lnRef idx="2">
+              <a:schemeClr val="accent1">
+                <a:shade val="50000"/>
+              </a:schemeClr>
+            </a:lnRef>
+            <a:fillRef idx="1">
+              <a:schemeClr val="accent1"/>
+            </a:fillRef>
+            <a:effectRef idx="0">
+              <a:schemeClr val="accent1"/>
+            </a:effectRef>
+            <a:fontRef idx="minor">
+              <a:schemeClr val="lt1"/>
+            </a:fontRef>
+          </p:style>
+          <p:txBody>
+            <a:bodyPr rtlCol="0" anchor="ctr"/>
+            <a:lstStyle/>
+            <a:p>
+              <a:pPr algn="ctr"/>
+              <a:endParaRPr lang="en-US"/>
+            </a:p>
+          </p:txBody>
+        </p:sp>
+        <p:sp>
+          <p:nvSpPr>
+            <p:cNvPr id="17" name="Isosceles Triangle 16">
+              <a:extLst>
+                <a:ext uri="{FF2B5EF4-FFF2-40B4-BE49-F238E27FC236}">
+                  <a16:creationId xmlns:a16="http://schemas.microsoft.com/office/drawing/2014/main" id="{B5E00D3B-1E29-4E11-BCD3-8E3A56F4BE0F}"/>
+                </a:ext>
+                <a:ext uri="{C183D7F6-B498-43B3-948B-1728B52AA6E4}">
+                  <adec:decorative xmlns:adec="http://schemas.microsoft.com/office/drawing/2017/decorative" val="1"/>
+                </a:ext>
+              </a:extLst>
+            </p:cNvPr>
+            <p:cNvSpPr/>
+            <p:nvPr>
+              <p:extLst>
+                <p:ext uri="{386F3935-93C4-4BCD-93E2-E3B085C9AB24}">
+                  <p16:designElem xmlns:p16="http://schemas.microsoft.com/office/powerpoint/2015/main" val="1"/>
+                </p:ext>
+              </p:extLst>
+            </p:nvPr>
+          </p:nvSpPr>
+          <p:spPr bwMode="white">
+            <a:xfrm>
+              <a:off x="4813714" y="4536245"/>
+              <a:ext cx="7389437" cy="2332906"/>
+            </a:xfrm>
+            <a:prstGeom prst="triangle">
+              <a:avLst>
+                <a:gd name="adj" fmla="val 100000"/>
+              </a:avLst>
+            </a:prstGeom>
+            <a:solidFill>
+              <a:schemeClr val="bg1">
+                <a:lumMod val="85000"/>
+                <a:lumOff val="15000"/>
+              </a:schemeClr>
+            </a:solidFill>
+            <a:ln>
+              <a:noFill/>
+            </a:ln>
+          </p:spPr>
+          <p:style>
+            <a:lnRef idx="2">
+              <a:schemeClr val="accent1">
+                <a:shade val="50000"/>
+              </a:schemeClr>
+            </a:lnRef>
+            <a:fillRef idx="1">
+              <a:schemeClr val="accent1"/>
+            </a:fillRef>
+            <a:effectRef idx="0">
+              <a:schemeClr val="accent1"/>
+            </a:effectRef>
+            <a:fontRef idx="minor">
+              <a:schemeClr val="lt1"/>
+            </a:fontRef>
+          </p:style>
+          <p:txBody>
+            <a:bodyPr rtlCol="0" anchor="ctr"/>
+            <a:lstStyle/>
+            <a:p>
+              <a:pPr algn="ctr"/>
+              <a:endParaRPr lang="en-US"/>
+            </a:p>
+          </p:txBody>
+        </p:sp>
+      </p:grpSp>
+      <p:sp>
+        <p:nvSpPr>
+          <p:cNvPr id="2" name="Título 1">
+            <a:extLst>
+              <a:ext uri="{FF2B5EF4-FFF2-40B4-BE49-F238E27FC236}">
+                <a16:creationId xmlns:a16="http://schemas.microsoft.com/office/drawing/2014/main" id="{0E057D14-606E-4685-B881-D82ED9E3EC2D}"/>
+              </a:ext>
+            </a:extLst>
+          </p:cNvPr>
+          <p:cNvSpPr>
+            <a:spLocks noGrp="1"/>
+          </p:cNvSpPr>
+          <p:nvPr>
+            <p:ph type="title"/>
+          </p:nvPr>
+        </p:nvSpPr>
+        <p:spPr>
+          <a:xfrm>
+            <a:off x="810001" y="4817533"/>
+            <a:ext cx="10572000" cy="779529"/>
+          </a:xfrm>
+        </p:spPr>
+        <p:txBody>
+          <a:bodyPr vert="horz" lIns="91440" tIns="45720" rIns="91440" bIns="45720" rtlCol="0" anchor="b">
+            <a:normAutofit/>
+          </a:bodyPr>
+          <a:lstStyle/>
+          <a:p>
+            <a:r>
+              <a:rPr lang="en-US" dirty="0" err="1"/>
+              <a:t>Acertijos</a:t>
+            </a:r>
+            <a:r>
+              <a:rPr lang="en-US" dirty="0"/>
+              <a:t> </a:t>
+            </a:r>
+            <a:r>
+              <a:rPr lang="en-US" dirty="0" err="1"/>
+              <a:t>generados</a:t>
+            </a:r>
+            <a:r>
+              <a:rPr lang="en-US" dirty="0"/>
+              <a:t> </a:t>
+            </a:r>
+            <a:r>
+              <a:rPr lang="en-US" dirty="0" err="1"/>
+              <a:t>proceduralmente</a:t>
+            </a:r>
+            <a:endParaRPr lang="en-US" dirty="0"/>
+          </a:p>
+        </p:txBody>
+      </p:sp>
+      <p:pic>
+        <p:nvPicPr>
+          <p:cNvPr id="5" name="Marcador de contenido 4">
+            <a:extLst>
+              <a:ext uri="{FF2B5EF4-FFF2-40B4-BE49-F238E27FC236}">
+                <a16:creationId xmlns:a16="http://schemas.microsoft.com/office/drawing/2014/main" id="{60A56E24-E893-47B3-AA75-9159832B6AD7}"/>
+              </a:ext>
+            </a:extLst>
+          </p:cNvPr>
+          <p:cNvPicPr>
+            <a:picLocks noGrp="1" noChangeAspect="1"/>
+          </p:cNvPicPr>
+          <p:nvPr>
+            <p:ph idx="1"/>
+          </p:nvPr>
+        </p:nvPicPr>
+        <p:blipFill>
+          <a:blip r:embed="rId2"/>
+          <a:stretch>
+            <a:fillRect/>
+          </a:stretch>
+        </p:blipFill>
+        <p:spPr>
+          <a:xfrm>
+            <a:off x="635458" y="761333"/>
+            <a:ext cx="5376368" cy="3360229"/>
+          </a:xfrm>
+          <a:prstGeom prst="roundRect">
+            <a:avLst>
+              <a:gd name="adj" fmla="val 3876"/>
+            </a:avLst>
+          </a:prstGeom>
+          <a:ln>
+            <a:solidFill>
+              <a:schemeClr val="accent1"/>
+            </a:solidFill>
+          </a:ln>
+          <a:effectLst/>
+        </p:spPr>
+      </p:pic>
+      <p:pic>
+        <p:nvPicPr>
+          <p:cNvPr id="7" name="Imagen 6">
+            <a:extLst>
+              <a:ext uri="{FF2B5EF4-FFF2-40B4-BE49-F238E27FC236}">
+                <a16:creationId xmlns:a16="http://schemas.microsoft.com/office/drawing/2014/main" id="{E4C4EDA4-A55C-4E0E-92A7-E8EBB6C381C3}"/>
+              </a:ext>
+            </a:extLst>
+          </p:cNvPr>
+          <p:cNvPicPr>
+            <a:picLocks noChangeAspect="1"/>
+          </p:cNvPicPr>
+          <p:nvPr/>
+        </p:nvPicPr>
+        <p:blipFill>
+          <a:blip r:embed="rId3"/>
+          <a:stretch>
+            <a:fillRect/>
+          </a:stretch>
+        </p:blipFill>
+        <p:spPr>
+          <a:xfrm>
+            <a:off x="6175551" y="761333"/>
+            <a:ext cx="5376369" cy="3360229"/>
+          </a:xfrm>
+          <a:prstGeom prst="roundRect">
+            <a:avLst>
+              <a:gd name="adj" fmla="val 3876"/>
+            </a:avLst>
+          </a:prstGeom>
+          <a:ln>
+            <a:solidFill>
+              <a:schemeClr val="accent1"/>
+            </a:solidFill>
+          </a:ln>
+          <a:effectLst/>
+        </p:spPr>
+      </p:pic>
+    </p:spTree>
+    <p:extLst>
+      <p:ext uri="{BB962C8B-B14F-4D97-AF65-F5344CB8AC3E}">
+        <p14:creationId xmlns:p14="http://schemas.microsoft.com/office/powerpoint/2010/main" val="1738428361"/>
+      </p:ext>
+    </p:extLst>
+  </p:cSld>
+  <p:clrMapOvr>
+    <a:masterClrMapping/>
+  </p:clrMapOvr>
+</p:sld>
+</file>
+
 <file path=ppt/slides/slide2.xml><?xml version="1.0" encoding="utf-8"?>
 <p:sld xmlns:a="http://schemas.openxmlformats.org/drawingml/2006/main" xmlns:r="http://schemas.openxmlformats.org/officeDocument/2006/relationships" xmlns:p="http://schemas.openxmlformats.org/presentationml/2006/main">
   <p:cSld>
